--- a/Presentation_E.pptx
+++ b/Presentation_E.pptx
@@ -5,14 +5,21 @@
     <p:sldMasterId id="2147483694" r:id="rId1"/>
   </p:sldMasterIdLst>
   <p:sldIdLst>
-    <p:sldId id="258" r:id="rId2"/>
-    <p:sldId id="259" r:id="rId3"/>
-    <p:sldId id="260" r:id="rId4"/>
-    <p:sldId id="261" r:id="rId5"/>
-    <p:sldId id="262" r:id="rId6"/>
-    <p:sldId id="263" r:id="rId7"/>
-    <p:sldId id="264" r:id="rId8"/>
-    <p:sldId id="265" r:id="rId9"/>
+    <p:sldId id="266" r:id="rId2"/>
+    <p:sldId id="267" r:id="rId3"/>
+    <p:sldId id="268" r:id="rId4"/>
+    <p:sldId id="269" r:id="rId5"/>
+    <p:sldId id="270" r:id="rId6"/>
+    <p:sldId id="271" r:id="rId7"/>
+    <p:sldId id="272" r:id="rId8"/>
+    <p:sldId id="258" r:id="rId9"/>
+    <p:sldId id="259" r:id="rId10"/>
+    <p:sldId id="260" r:id="rId11"/>
+    <p:sldId id="261" r:id="rId12"/>
+    <p:sldId id="262" r:id="rId13"/>
+    <p:sldId id="263" r:id="rId14"/>
+    <p:sldId id="264" r:id="rId15"/>
+    <p:sldId id="265" r:id="rId16"/>
   </p:sldIdLst>
   <p:sldSz cx="12192000" cy="6858000"/>
   <p:notesSz cx="6858000" cy="9144000"/>
@@ -6873,7 +6880,7 @@
           <p:cNvPr id="2" name="Title 1">
             <a:extLst>
               <a:ext uri="{FF2B5EF4-FFF2-40B4-BE49-F238E27FC236}">
-                <a16:creationId xmlns:a16="http://schemas.microsoft.com/office/drawing/2014/main" id="{1ABB9434-BF8F-7920-B734-004D4E86EA6F}"/>
+                <a16:creationId xmlns:a16="http://schemas.microsoft.com/office/drawing/2014/main" id="{B54DFC22-DDF4-D6AF-3246-03BADA81DE1A}"/>
               </a:ext>
             </a:extLst>
           </p:cNvPr>
@@ -6881,35 +6888,22 @@
             <a:spLocks noGrp="1"/>
           </p:cNvSpPr>
           <p:nvPr>
-            <p:ph type="title"/>
+            <p:ph type="ctrTitle"/>
           </p:nvPr>
         </p:nvSpPr>
         <p:spPr>
           <a:xfrm>
-            <a:off x="98322" y="2695370"/>
-            <a:ext cx="9684775" cy="2102772"/>
+            <a:off x="2576052" y="3099647"/>
+            <a:ext cx="5883921" cy="658705"/>
           </a:xfrm>
         </p:spPr>
         <p:txBody>
           <a:bodyPr/>
           <a:lstStyle/>
           <a:p>
-            <a:pPr algn="ctr"/>
-            <a:r>
-              <a:rPr lang="en-US" dirty="0">
-                <a:ln w="0"/>
-                <a:solidFill>
-                  <a:schemeClr val="accent1"/>
-                </a:solidFill>
-                <a:effectLst>
-                  <a:outerShdw blurRad="38100" dist="25400" dir="5400000" algn="ctr" rotWithShape="0">
-                    <a:srgbClr val="6E747A">
-                      <a:alpha val="43000"/>
-                    </a:srgbClr>
-                  </a:outerShdw>
-                </a:effectLst>
-              </a:rPr>
-              <a:t>Efficient implementation of image processing algorithm on ARM v8 processor</a:t>
+            <a:r>
+              <a:rPr lang="en-US" sz="3600" dirty="0"/>
+              <a:t>Filter Design for ECG signal</a:t>
             </a:r>
           </a:p>
         </p:txBody>
@@ -6917,7 +6911,7 @@
     </p:spTree>
     <p:extLst>
       <p:ext uri="{BB962C8B-B14F-4D97-AF65-F5344CB8AC3E}">
-        <p14:creationId xmlns:p14="http://schemas.microsoft.com/office/powerpoint/2010/main" val="1736362778"/>
+        <p14:creationId xmlns:p14="http://schemas.microsoft.com/office/powerpoint/2010/main" val="3433274620"/>
       </p:ext>
     </p:extLst>
   </p:cSld>
@@ -6927,177 +6921,7 @@
 </p:sld>
 </file>
 
-<file path=ppt/slides/slide2.xml><?xml version="1.0" encoding="utf-8"?>
-<p:sld xmlns:a="http://schemas.openxmlformats.org/drawingml/2006/main" xmlns:r="http://schemas.openxmlformats.org/officeDocument/2006/relationships" xmlns:p="http://schemas.openxmlformats.org/presentationml/2006/main">
-  <p:cSld>
-    <p:spTree>
-      <p:nvGrpSpPr>
-        <p:cNvPr id="1" name=""/>
-        <p:cNvGrpSpPr/>
-        <p:nvPr/>
-      </p:nvGrpSpPr>
-      <p:grpSpPr>
-        <a:xfrm>
-          <a:off x="0" y="0"/>
-          <a:ext cx="0" cy="0"/>
-          <a:chOff x="0" y="0"/>
-          <a:chExt cx="0" cy="0"/>
-        </a:xfrm>
-      </p:grpSpPr>
-      <p:sp>
-        <p:nvSpPr>
-          <p:cNvPr id="2" name="Title 1">
-            <a:extLst>
-              <a:ext uri="{FF2B5EF4-FFF2-40B4-BE49-F238E27FC236}">
-                <a16:creationId xmlns:a16="http://schemas.microsoft.com/office/drawing/2014/main" id="{BCABB78B-D1C3-DEC5-302F-87C97361349D}"/>
-              </a:ext>
-            </a:extLst>
-          </p:cNvPr>
-          <p:cNvSpPr>
-            <a:spLocks noGrp="1"/>
-          </p:cNvSpPr>
-          <p:nvPr>
-            <p:ph type="title"/>
-          </p:nvPr>
-        </p:nvSpPr>
-        <p:spPr>
-          <a:xfrm>
-            <a:off x="598675" y="218016"/>
-            <a:ext cx="3854528" cy="1278466"/>
-          </a:xfrm>
-        </p:spPr>
-        <p:txBody>
-          <a:bodyPr>
-            <a:normAutofit/>
-          </a:bodyPr>
-          <a:lstStyle/>
-          <a:p>
-            <a:r>
-              <a:rPr lang="en-US" sz="3600" dirty="0"/>
-              <a:t>Target Device </a:t>
-            </a:r>
-          </a:p>
-        </p:txBody>
-      </p:sp>
-      <p:pic>
-        <p:nvPicPr>
-          <p:cNvPr id="6" name="Content Placeholder 5" descr="Calendar&#10;&#10;Description automatically generated with medium confidence">
-            <a:extLst>
-              <a:ext uri="{FF2B5EF4-FFF2-40B4-BE49-F238E27FC236}">
-                <a16:creationId xmlns:a16="http://schemas.microsoft.com/office/drawing/2014/main" id="{0110114D-97BB-EAFF-DAE5-0C4D0C71DD0A}"/>
-              </a:ext>
-            </a:extLst>
-          </p:cNvPr>
-          <p:cNvPicPr>
-            <a:picLocks noGrp="1" noChangeAspect="1"/>
-          </p:cNvPicPr>
-          <p:nvPr>
-            <p:ph idx="1"/>
-          </p:nvPr>
-        </p:nvPicPr>
-        <p:blipFill>
-          <a:blip r:embed="rId2">
-            <a:extLst>
-              <a:ext uri="{28A0092B-C50C-407E-A947-70E740481C1C}">
-                <a14:useLocalDpi xmlns:a14="http://schemas.microsoft.com/office/drawing/2010/main" val="0"/>
-              </a:ext>
-            </a:extLst>
-          </a:blip>
-          <a:stretch>
-            <a:fillRect/>
-          </a:stretch>
-        </p:blipFill>
-        <p:spPr>
-          <a:xfrm>
-            <a:off x="6190089" y="2604539"/>
-            <a:ext cx="5677445" cy="4056218"/>
-          </a:xfrm>
-        </p:spPr>
-      </p:pic>
-      <p:sp>
-        <p:nvSpPr>
-          <p:cNvPr id="4" name="Text Placeholder 3">
-            <a:extLst>
-              <a:ext uri="{FF2B5EF4-FFF2-40B4-BE49-F238E27FC236}">
-                <a16:creationId xmlns:a16="http://schemas.microsoft.com/office/drawing/2014/main" id="{C078657D-80F4-F806-AB91-1BA7EC3CD8DF}"/>
-              </a:ext>
-            </a:extLst>
-          </p:cNvPr>
-          <p:cNvSpPr>
-            <a:spLocks noGrp="1"/>
-          </p:cNvSpPr>
-          <p:nvPr>
-            <p:ph type="body" sz="half" idx="2"/>
-          </p:nvPr>
-        </p:nvSpPr>
-        <p:spPr>
-          <a:xfrm>
-            <a:off x="677334" y="2604539"/>
-            <a:ext cx="5113866" cy="2756979"/>
-          </a:xfrm>
-        </p:spPr>
-        <p:txBody>
-          <a:bodyPr>
-            <a:normAutofit fontScale="92500" lnSpcReduction="10000"/>
-          </a:bodyPr>
-          <a:lstStyle/>
-          <a:p>
-            <a:r>
-              <a:rPr lang="en-US" sz="2400" u="sng" dirty="0"/>
-              <a:t>Single board computer model </a:t>
-            </a:r>
-            <a:r>
-              <a:rPr lang="en-US" sz="2400" dirty="0"/>
-              <a:t>- Raspberry Pi 400</a:t>
-            </a:r>
-          </a:p>
-          <a:p>
-            <a:r>
-              <a:rPr lang="en-US" sz="2400" u="sng" dirty="0"/>
-              <a:t>SoC specifications- </a:t>
-            </a:r>
-          </a:p>
-          <a:p>
-            <a:r>
-              <a:rPr lang="en-US" sz="2400" dirty="0"/>
-              <a:t>Broadcom BCM2711 quad-core Cortex-A72 </a:t>
-            </a:r>
-          </a:p>
-          <a:p>
-            <a:r>
-              <a:rPr lang="en-US" sz="2400" dirty="0"/>
-              <a:t>(ARM v8) 64-bit SoC @ 1.8GHz</a:t>
-            </a:r>
-          </a:p>
-          <a:p>
-            <a:r>
-              <a:rPr lang="en-US" sz="2400" u="sng" dirty="0"/>
-              <a:t>Memory</a:t>
-            </a:r>
-            <a:r>
-              <a:rPr lang="en-US" sz="2400" dirty="0"/>
-              <a:t>- 4GB LPDDR4-3200</a:t>
-            </a:r>
-          </a:p>
-          <a:p>
-            <a:endParaRPr lang="en-US" dirty="0"/>
-          </a:p>
-        </p:txBody>
-      </p:sp>
-    </p:spTree>
-    <p:extLst>
-      <p:ext uri="{BB962C8B-B14F-4D97-AF65-F5344CB8AC3E}">
-        <p14:creationId xmlns:p14="http://schemas.microsoft.com/office/powerpoint/2010/main" val="132676699"/>
-      </p:ext>
-    </p:extLst>
-  </p:cSld>
-  <p:clrMapOvr>
-    <a:masterClrMapping/>
-  </p:clrMapOvr>
-</p:sld>
-</file>
-
-<file path=ppt/slides/slide3.xml><?xml version="1.0" encoding="utf-8"?>
+<file path=ppt/slides/slide10.xml><?xml version="1.0" encoding="utf-8"?>
 <p:sld xmlns:a="http://schemas.openxmlformats.org/drawingml/2006/main" xmlns:r="http://schemas.openxmlformats.org/officeDocument/2006/relationships" xmlns:p="http://schemas.openxmlformats.org/presentationml/2006/main">
   <p:cSld>
     <p:spTree>
@@ -7197,6 +7021,927 @@
 </p:sld>
 </file>
 
+<file path=ppt/slides/slide11.xml><?xml version="1.0" encoding="utf-8"?>
+<p:sld xmlns:a="http://schemas.openxmlformats.org/drawingml/2006/main" xmlns:r="http://schemas.openxmlformats.org/officeDocument/2006/relationships" xmlns:p="http://schemas.openxmlformats.org/presentationml/2006/main">
+  <p:cSld>
+    <p:spTree>
+      <p:nvGrpSpPr>
+        <p:cNvPr id="1" name=""/>
+        <p:cNvGrpSpPr/>
+        <p:nvPr/>
+      </p:nvGrpSpPr>
+      <p:grpSpPr>
+        <a:xfrm>
+          <a:off x="0" y="0"/>
+          <a:ext cx="0" cy="0"/>
+          <a:chOff x="0" y="0"/>
+          <a:chExt cx="0" cy="0"/>
+        </a:xfrm>
+      </p:grpSpPr>
+      <p:sp>
+        <p:nvSpPr>
+          <p:cNvPr id="2" name="Title 1">
+            <a:extLst>
+              <a:ext uri="{FF2B5EF4-FFF2-40B4-BE49-F238E27FC236}">
+                <a16:creationId xmlns:a16="http://schemas.microsoft.com/office/drawing/2014/main" id="{8D4A6C62-9327-4B7D-E897-A2BE633D1FAD}"/>
+              </a:ext>
+            </a:extLst>
+          </p:cNvPr>
+          <p:cNvSpPr>
+            <a:spLocks noGrp="1"/>
+          </p:cNvSpPr>
+          <p:nvPr>
+            <p:ph type="ctrTitle"/>
+          </p:nvPr>
+        </p:nvSpPr>
+        <p:spPr>
+          <a:xfrm>
+            <a:off x="1507066" y="1149883"/>
+            <a:ext cx="5188701" cy="639587"/>
+          </a:xfrm>
+        </p:spPr>
+        <p:txBody>
+          <a:bodyPr/>
+          <a:lstStyle/>
+          <a:p>
+            <a:r>
+              <a:rPr lang="en-US" sz="3600" dirty="0"/>
+              <a:t>RGB to Gray conversion</a:t>
+            </a:r>
+          </a:p>
+        </p:txBody>
+      </p:sp>
+      <p:sp>
+        <p:nvSpPr>
+          <p:cNvPr id="3" name="Subtitle 2">
+            <a:extLst>
+              <a:ext uri="{FF2B5EF4-FFF2-40B4-BE49-F238E27FC236}">
+                <a16:creationId xmlns:a16="http://schemas.microsoft.com/office/drawing/2014/main" id="{B9233905-AB64-2196-6848-7F91FA4F553E}"/>
+              </a:ext>
+            </a:extLst>
+          </p:cNvPr>
+          <p:cNvSpPr>
+            <a:spLocks noGrp="1"/>
+          </p:cNvSpPr>
+          <p:nvPr>
+            <p:ph type="subTitle" idx="1"/>
+          </p:nvPr>
+        </p:nvSpPr>
+        <p:spPr>
+          <a:xfrm>
+            <a:off x="1337187" y="2743201"/>
+            <a:ext cx="7936816" cy="2404532"/>
+          </a:xfrm>
+        </p:spPr>
+        <p:txBody>
+          <a:bodyPr/>
+          <a:lstStyle/>
+          <a:p>
+            <a:pPr marL="285750" indent="-285750" algn="l">
+              <a:buFont typeface="Arial" panose="020B0604020202020204" pitchFamily="34" charset="0"/>
+              <a:buChar char="•"/>
+            </a:pPr>
+            <a:r>
+              <a:rPr lang="en-US" sz="2400" dirty="0">
+                <a:solidFill>
+                  <a:schemeClr val="tx1"/>
+                </a:solidFill>
+              </a:rPr>
+              <a:t>Relatively simple operation</a:t>
+            </a:r>
+          </a:p>
+          <a:p>
+            <a:pPr marL="285750" indent="-285750" algn="l">
+              <a:buFont typeface="Arial" panose="020B0604020202020204" pitchFamily="34" charset="0"/>
+              <a:buChar char="•"/>
+            </a:pPr>
+            <a:r>
+              <a:rPr lang="en-US" sz="2400" dirty="0">
+                <a:solidFill>
+                  <a:schemeClr val="tx1"/>
+                </a:solidFill>
+              </a:rPr>
+              <a:t>Formula</a:t>
+            </a:r>
+          </a:p>
+          <a:p>
+            <a:pPr algn="l"/>
+            <a:r>
+              <a:rPr lang="en-US" sz="2400" dirty="0">
+                <a:solidFill>
+                  <a:schemeClr val="tx1"/>
+                </a:solidFill>
+              </a:rPr>
+              <a:t>    Gray value = </a:t>
+            </a:r>
+            <a:r>
+              <a:rPr lang="pt-BR" sz="2400" dirty="0">
+                <a:solidFill>
+                  <a:schemeClr val="tx1"/>
+                </a:solidFill>
+              </a:rPr>
+              <a:t>(</a:t>
+            </a:r>
+            <a:r>
+              <a:rPr lang="pt-BR" sz="2400" dirty="0">
+                <a:solidFill>
+                  <a:srgbClr val="FF0000"/>
+                </a:solidFill>
+              </a:rPr>
+              <a:t>R</a:t>
+            </a:r>
+            <a:r>
+              <a:rPr lang="pt-BR" sz="2400" dirty="0">
+                <a:solidFill>
+                  <a:schemeClr val="tx1"/>
+                </a:solidFill>
+              </a:rPr>
+              <a:t> *0.2126f + </a:t>
+            </a:r>
+            <a:r>
+              <a:rPr lang="pt-BR" sz="2400" dirty="0">
+                <a:solidFill>
+                  <a:srgbClr val="00B050"/>
+                </a:solidFill>
+              </a:rPr>
+              <a:t>G</a:t>
+            </a:r>
+            <a:r>
+              <a:rPr lang="pt-BR" sz="2400" dirty="0">
+                <a:solidFill>
+                  <a:schemeClr val="tx1"/>
+                </a:solidFill>
+              </a:rPr>
+              <a:t> *0.7152f + </a:t>
+            </a:r>
+            <a:r>
+              <a:rPr lang="pt-BR" sz="2400" dirty="0">
+                <a:solidFill>
+                  <a:srgbClr val="0070C0"/>
+                </a:solidFill>
+              </a:rPr>
+              <a:t>B</a:t>
+            </a:r>
+            <a:r>
+              <a:rPr lang="pt-BR" sz="2400" dirty="0">
+                <a:solidFill>
+                  <a:schemeClr val="tx1"/>
+                </a:solidFill>
+              </a:rPr>
+              <a:t> *0.0722f)</a:t>
+            </a:r>
+          </a:p>
+          <a:p>
+            <a:pPr algn="l"/>
+            <a:r>
+              <a:rPr lang="pt-BR" sz="2400" dirty="0">
+                <a:solidFill>
+                  <a:schemeClr val="tx1"/>
+                </a:solidFill>
+              </a:rPr>
+              <a:t>    R, G, B are Red, Green, and Blue Channel values.</a:t>
+            </a:r>
+          </a:p>
+          <a:p>
+            <a:pPr algn="l"/>
+            <a:endParaRPr lang="en-US" dirty="0"/>
+          </a:p>
+          <a:p>
+            <a:endParaRPr lang="en-US" dirty="0"/>
+          </a:p>
+        </p:txBody>
+      </p:sp>
+    </p:spTree>
+    <p:extLst>
+      <p:ext uri="{BB962C8B-B14F-4D97-AF65-F5344CB8AC3E}">
+        <p14:creationId xmlns:p14="http://schemas.microsoft.com/office/powerpoint/2010/main" val="2658355762"/>
+      </p:ext>
+    </p:extLst>
+  </p:cSld>
+  <p:clrMapOvr>
+    <a:masterClrMapping/>
+  </p:clrMapOvr>
+</p:sld>
+</file>
+
+<file path=ppt/slides/slide12.xml><?xml version="1.0" encoding="utf-8"?>
+<p:sld xmlns:a="http://schemas.openxmlformats.org/drawingml/2006/main" xmlns:r="http://schemas.openxmlformats.org/officeDocument/2006/relationships" xmlns:p="http://schemas.openxmlformats.org/presentationml/2006/main">
+  <p:cSld>
+    <p:spTree>
+      <p:nvGrpSpPr>
+        <p:cNvPr id="1" name=""/>
+        <p:cNvGrpSpPr/>
+        <p:nvPr/>
+      </p:nvGrpSpPr>
+      <p:grpSpPr>
+        <a:xfrm>
+          <a:off x="0" y="0"/>
+          <a:ext cx="0" cy="0"/>
+          <a:chOff x="0" y="0"/>
+          <a:chExt cx="0" cy="0"/>
+        </a:xfrm>
+      </p:grpSpPr>
+      <p:sp>
+        <p:nvSpPr>
+          <p:cNvPr id="2" name="Title 1">
+            <a:extLst>
+              <a:ext uri="{FF2B5EF4-FFF2-40B4-BE49-F238E27FC236}">
+                <a16:creationId xmlns:a16="http://schemas.microsoft.com/office/drawing/2014/main" id="{F0E6B53E-21F8-D0E8-8E1F-2609424C76A5}"/>
+              </a:ext>
+            </a:extLst>
+          </p:cNvPr>
+          <p:cNvSpPr>
+            <a:spLocks noGrp="1"/>
+          </p:cNvSpPr>
+          <p:nvPr>
+            <p:ph type="title"/>
+          </p:nvPr>
+        </p:nvSpPr>
+        <p:spPr>
+          <a:xfrm>
+            <a:off x="196645" y="218016"/>
+            <a:ext cx="4335217" cy="1278466"/>
+          </a:xfrm>
+        </p:spPr>
+        <p:txBody>
+          <a:bodyPr>
+            <a:normAutofit/>
+          </a:bodyPr>
+          <a:lstStyle/>
+          <a:p>
+            <a:r>
+              <a:rPr lang="en-US" sz="3600" dirty="0"/>
+              <a:t>Performance comparison</a:t>
+            </a:r>
+          </a:p>
+        </p:txBody>
+      </p:sp>
+      <p:graphicFrame>
+        <p:nvGraphicFramePr>
+          <p:cNvPr id="8" name="Content Placeholder 7">
+            <a:extLst>
+              <a:ext uri="{FF2B5EF4-FFF2-40B4-BE49-F238E27FC236}">
+                <a16:creationId xmlns:a16="http://schemas.microsoft.com/office/drawing/2014/main" id="{D2250892-2A0E-96C0-F9BB-27B217163FCB}"/>
+              </a:ext>
+            </a:extLst>
+          </p:cNvPr>
+          <p:cNvGraphicFramePr>
+            <a:graphicFrameLocks noGrp="1"/>
+          </p:cNvGraphicFramePr>
+          <p:nvPr>
+            <p:ph idx="1"/>
+            <p:extLst>
+              <p:ext uri="{D42A27DB-BD31-4B8C-83A1-F6EECF244321}">
+                <p14:modId xmlns:p14="http://schemas.microsoft.com/office/powerpoint/2010/main" val="148909477"/>
+              </p:ext>
+            </p:extLst>
+          </p:nvPr>
+        </p:nvGraphicFramePr>
+        <p:xfrm>
+          <a:off x="4760913" y="514350"/>
+          <a:ext cx="4513262" cy="5527675"/>
+        </p:xfrm>
+        <a:graphic>
+          <a:graphicData uri="http://schemas.openxmlformats.org/drawingml/2006/chart">
+            <c:chart xmlns:c="http://schemas.openxmlformats.org/drawingml/2006/chart" xmlns:r="http://schemas.openxmlformats.org/officeDocument/2006/relationships" r:id="rId2"/>
+          </a:graphicData>
+        </a:graphic>
+      </p:graphicFrame>
+      <p:sp>
+        <p:nvSpPr>
+          <p:cNvPr id="4" name="Text Placeholder 3">
+            <a:extLst>
+              <a:ext uri="{FF2B5EF4-FFF2-40B4-BE49-F238E27FC236}">
+                <a16:creationId xmlns:a16="http://schemas.microsoft.com/office/drawing/2014/main" id="{9FB0A756-8EB2-2A6F-5076-9703E5D50A8E}"/>
+              </a:ext>
+            </a:extLst>
+          </p:cNvPr>
+          <p:cNvSpPr>
+            <a:spLocks noGrp="1"/>
+          </p:cNvSpPr>
+          <p:nvPr>
+            <p:ph type="body" sz="half" idx="2"/>
+          </p:nvPr>
+        </p:nvSpPr>
+        <p:spPr>
+          <a:xfrm>
+            <a:off x="127819" y="2777070"/>
+            <a:ext cx="4633093" cy="1667112"/>
+          </a:xfrm>
+        </p:spPr>
+        <p:txBody>
+          <a:bodyPr>
+            <a:normAutofit fontScale="92500"/>
+          </a:bodyPr>
+          <a:lstStyle/>
+          <a:p>
+            <a:r>
+              <a:rPr lang="en-US" sz="2400" dirty="0"/>
+              <a:t>Maximum speed up achieved for a scalar implementation with thread level parallelism with 4 threads.</a:t>
+            </a:r>
+          </a:p>
+          <a:p>
+            <a:r>
+              <a:rPr lang="en-US" dirty="0"/>
+              <a:t> </a:t>
+            </a:r>
+          </a:p>
+        </p:txBody>
+      </p:sp>
+    </p:spTree>
+    <p:extLst>
+      <p:ext uri="{BB962C8B-B14F-4D97-AF65-F5344CB8AC3E}">
+        <p14:creationId xmlns:p14="http://schemas.microsoft.com/office/powerpoint/2010/main" val="595420048"/>
+      </p:ext>
+    </p:extLst>
+  </p:cSld>
+  <p:clrMapOvr>
+    <a:masterClrMapping/>
+  </p:clrMapOvr>
+</p:sld>
+</file>
+
+<file path=ppt/slides/slide13.xml><?xml version="1.0" encoding="utf-8"?>
+<p:sld xmlns:a="http://schemas.openxmlformats.org/drawingml/2006/main" xmlns:r="http://schemas.openxmlformats.org/officeDocument/2006/relationships" xmlns:p="http://schemas.openxmlformats.org/presentationml/2006/main">
+  <p:cSld>
+    <p:spTree>
+      <p:nvGrpSpPr>
+        <p:cNvPr id="1" name=""/>
+        <p:cNvGrpSpPr/>
+        <p:nvPr/>
+      </p:nvGrpSpPr>
+      <p:grpSpPr>
+        <a:xfrm>
+          <a:off x="0" y="0"/>
+          <a:ext cx="0" cy="0"/>
+          <a:chOff x="0" y="0"/>
+          <a:chExt cx="0" cy="0"/>
+        </a:xfrm>
+      </p:grpSpPr>
+      <p:sp>
+        <p:nvSpPr>
+          <p:cNvPr id="2" name="Title 1">
+            <a:extLst>
+              <a:ext uri="{FF2B5EF4-FFF2-40B4-BE49-F238E27FC236}">
+                <a16:creationId xmlns:a16="http://schemas.microsoft.com/office/drawing/2014/main" id="{D40EF9F3-CABD-07DF-4DDE-E9326F7AFCE0}"/>
+              </a:ext>
+            </a:extLst>
+          </p:cNvPr>
+          <p:cNvSpPr>
+            <a:spLocks noGrp="1"/>
+          </p:cNvSpPr>
+          <p:nvPr>
+            <p:ph type="title"/>
+          </p:nvPr>
+        </p:nvSpPr>
+        <p:spPr/>
+        <p:txBody>
+          <a:bodyPr/>
+          <a:lstStyle/>
+          <a:p>
+            <a:r>
+              <a:rPr lang="en-US" dirty="0"/>
+              <a:t>Implementations</a:t>
+            </a:r>
+          </a:p>
+        </p:txBody>
+      </p:sp>
+      <p:sp>
+        <p:nvSpPr>
+          <p:cNvPr id="4" name="TextBox 3">
+            <a:extLst>
+              <a:ext uri="{FF2B5EF4-FFF2-40B4-BE49-F238E27FC236}">
+                <a16:creationId xmlns:a16="http://schemas.microsoft.com/office/drawing/2014/main" id="{3BF6E450-229E-D225-5431-96F5FF4CF2D5}"/>
+              </a:ext>
+            </a:extLst>
+          </p:cNvPr>
+          <p:cNvSpPr txBox="1"/>
+          <p:nvPr/>
+        </p:nvSpPr>
+        <p:spPr>
+          <a:xfrm>
+            <a:off x="786580" y="1930400"/>
+            <a:ext cx="9094839" cy="3970318"/>
+          </a:xfrm>
+          <a:prstGeom prst="rect">
+            <a:avLst/>
+          </a:prstGeom>
+          <a:noFill/>
+        </p:spPr>
+        <p:txBody>
+          <a:bodyPr wrap="square" rtlCol="0">
+            <a:spAutoFit/>
+          </a:bodyPr>
+          <a:lstStyle/>
+          <a:p>
+            <a:pPr marL="285750" indent="-285750">
+              <a:buFont typeface="Arial" panose="020B0604020202020204" pitchFamily="34" charset="0"/>
+              <a:buChar char="•"/>
+            </a:pPr>
+            <a:r>
+              <a:rPr lang="en-US" sz="2400" b="1" u="sng" dirty="0"/>
+              <a:t>Scalar implementation(Baseline)- </a:t>
+            </a:r>
+          </a:p>
+          <a:p>
+            <a:r>
+              <a:rPr lang="en-US" sz="2400" dirty="0"/>
+              <a:t>    Simple for loop implementation running on a single core.</a:t>
+            </a:r>
+          </a:p>
+          <a:p>
+            <a:endParaRPr lang="en-US" sz="2400" dirty="0"/>
+          </a:p>
+          <a:p>
+            <a:pPr marL="285750" indent="-285750">
+              <a:buFont typeface="Arial" panose="020B0604020202020204" pitchFamily="34" charset="0"/>
+              <a:buChar char="•"/>
+            </a:pPr>
+            <a:r>
+              <a:rPr lang="en-US" sz="2400" b="1" u="sng" dirty="0"/>
+              <a:t>SIMD Implementation- </a:t>
+            </a:r>
+            <a:r>
+              <a:rPr lang="en-US" sz="2400" dirty="0"/>
+              <a:t>Taking advantage of data parallel SIMD engine and implement data operations   using AArch64 Neon assembly instructions.</a:t>
+            </a:r>
+          </a:p>
+          <a:p>
+            <a:pPr marL="285750" indent="-285750">
+              <a:buFont typeface="Arial" panose="020B0604020202020204" pitchFamily="34" charset="0"/>
+              <a:buChar char="•"/>
+            </a:pPr>
+            <a:endParaRPr lang="en-US" sz="2400" dirty="0"/>
+          </a:p>
+          <a:p>
+            <a:pPr marL="285750" indent="-285750">
+              <a:buFont typeface="Arial" panose="020B0604020202020204" pitchFamily="34" charset="0"/>
+              <a:buChar char="•"/>
+            </a:pPr>
+            <a:r>
+              <a:rPr lang="en-US" sz="2400" b="1" u="sng" dirty="0"/>
+              <a:t>OpenMP implementation- </a:t>
+            </a:r>
+            <a:r>
+              <a:rPr lang="en-US" sz="2400" dirty="0"/>
+              <a:t>Taking advantage of multicore SoC with different no. of threads from 2 to 32.</a:t>
+            </a:r>
+          </a:p>
+          <a:p>
+            <a:endParaRPr lang="en-US" dirty="0"/>
+          </a:p>
+          <a:p>
+            <a:endParaRPr lang="en-US" dirty="0"/>
+          </a:p>
+        </p:txBody>
+      </p:sp>
+    </p:spTree>
+    <p:extLst>
+      <p:ext uri="{BB962C8B-B14F-4D97-AF65-F5344CB8AC3E}">
+        <p14:creationId xmlns:p14="http://schemas.microsoft.com/office/powerpoint/2010/main" val="2349631491"/>
+      </p:ext>
+    </p:extLst>
+  </p:cSld>
+  <p:clrMapOvr>
+    <a:masterClrMapping/>
+  </p:clrMapOvr>
+</p:sld>
+</file>
+
+<file path=ppt/slides/slide14.xml><?xml version="1.0" encoding="utf-8"?>
+<p:sld xmlns:a="http://schemas.openxmlformats.org/drawingml/2006/main" xmlns:r="http://schemas.openxmlformats.org/officeDocument/2006/relationships" xmlns:p="http://schemas.openxmlformats.org/presentationml/2006/main">
+  <p:cSld>
+    <p:spTree>
+      <p:nvGrpSpPr>
+        <p:cNvPr id="1" name=""/>
+        <p:cNvGrpSpPr/>
+        <p:nvPr/>
+      </p:nvGrpSpPr>
+      <p:grpSpPr>
+        <a:xfrm>
+          <a:off x="0" y="0"/>
+          <a:ext cx="0" cy="0"/>
+          <a:chOff x="0" y="0"/>
+          <a:chExt cx="0" cy="0"/>
+        </a:xfrm>
+      </p:grpSpPr>
+      <p:sp>
+        <p:nvSpPr>
+          <p:cNvPr id="2" name="Title 1">
+            <a:extLst>
+              <a:ext uri="{FF2B5EF4-FFF2-40B4-BE49-F238E27FC236}">
+                <a16:creationId xmlns:a16="http://schemas.microsoft.com/office/drawing/2014/main" id="{A107E990-29EE-F2F2-8166-861AC58FF9C2}"/>
+              </a:ext>
+            </a:extLst>
+          </p:cNvPr>
+          <p:cNvSpPr>
+            <a:spLocks noGrp="1"/>
+          </p:cNvSpPr>
+          <p:nvPr>
+            <p:ph type="ctrTitle"/>
+          </p:nvPr>
+        </p:nvSpPr>
+        <p:spPr>
+          <a:xfrm>
+            <a:off x="1320254" y="428250"/>
+            <a:ext cx="7766936" cy="1646302"/>
+          </a:xfrm>
+        </p:spPr>
+        <p:txBody>
+          <a:bodyPr/>
+          <a:lstStyle/>
+          <a:p>
+            <a:pPr algn="l"/>
+            <a:r>
+              <a:rPr lang="en-US" sz="3600" dirty="0"/>
+              <a:t>Future Exploration</a:t>
+            </a:r>
+          </a:p>
+        </p:txBody>
+      </p:sp>
+      <p:sp>
+        <p:nvSpPr>
+          <p:cNvPr id="3" name="Subtitle 2">
+            <a:extLst>
+              <a:ext uri="{FF2B5EF4-FFF2-40B4-BE49-F238E27FC236}">
+                <a16:creationId xmlns:a16="http://schemas.microsoft.com/office/drawing/2014/main" id="{9D4D589B-74BE-C03F-CC6A-C4309CEB029D}"/>
+              </a:ext>
+            </a:extLst>
+          </p:cNvPr>
+          <p:cNvSpPr>
+            <a:spLocks noGrp="1"/>
+          </p:cNvSpPr>
+          <p:nvPr>
+            <p:ph type="subTitle" idx="1"/>
+          </p:nvPr>
+        </p:nvSpPr>
+        <p:spPr>
+          <a:xfrm>
+            <a:off x="1320254" y="2182761"/>
+            <a:ext cx="8295694" cy="2261420"/>
+          </a:xfrm>
+        </p:spPr>
+        <p:txBody>
+          <a:bodyPr>
+            <a:noAutofit/>
+          </a:bodyPr>
+          <a:lstStyle/>
+          <a:p>
+            <a:pPr marL="285750" indent="-285750" algn="l">
+              <a:buFont typeface="Arial" panose="020B0604020202020204" pitchFamily="34" charset="0"/>
+              <a:buChar char="•"/>
+            </a:pPr>
+            <a:r>
+              <a:rPr lang="en-US" sz="2400" dirty="0">
+                <a:solidFill>
+                  <a:schemeClr val="tx1"/>
+                </a:solidFill>
+              </a:rPr>
+              <a:t>Using different memory map for image file planar or instead of current interleaved.</a:t>
+            </a:r>
+          </a:p>
+          <a:p>
+            <a:pPr marL="285750" indent="-285750" algn="l">
+              <a:buFont typeface="Arial" panose="020B0604020202020204" pitchFamily="34" charset="0"/>
+              <a:buChar char="•"/>
+            </a:pPr>
+            <a:r>
+              <a:rPr lang="en-US" sz="2400" dirty="0">
+                <a:solidFill>
+                  <a:schemeClr val="tx1"/>
+                </a:solidFill>
+              </a:rPr>
+              <a:t>Combine data and thread level parallelism.</a:t>
+            </a:r>
+          </a:p>
+          <a:p>
+            <a:pPr marL="285750" indent="-285750" algn="l">
+              <a:buFont typeface="Arial" panose="020B0604020202020204" pitchFamily="34" charset="0"/>
+              <a:buChar char="•"/>
+            </a:pPr>
+            <a:r>
+              <a:rPr lang="en-US" sz="2400" dirty="0">
+                <a:solidFill>
+                  <a:schemeClr val="tx1"/>
+                </a:solidFill>
+              </a:rPr>
+              <a:t>Take cache length and memory hierarchy into account.</a:t>
+            </a:r>
+          </a:p>
+          <a:p>
+            <a:pPr marL="285750" indent="-285750" algn="l">
+              <a:buFont typeface="Arial" panose="020B0604020202020204" pitchFamily="34" charset="0"/>
+              <a:buChar char="•"/>
+            </a:pPr>
+            <a:endParaRPr lang="en-US" sz="2400" dirty="0"/>
+          </a:p>
+          <a:p>
+            <a:pPr marL="285750" indent="-285750" algn="l">
+              <a:buFont typeface="Arial" panose="020B0604020202020204" pitchFamily="34" charset="0"/>
+              <a:buChar char="•"/>
+            </a:pPr>
+            <a:endParaRPr lang="en-US" sz="2400" dirty="0"/>
+          </a:p>
+          <a:p>
+            <a:pPr marL="285750" indent="-285750" algn="l">
+              <a:buFont typeface="Arial" panose="020B0604020202020204" pitchFamily="34" charset="0"/>
+              <a:buChar char="•"/>
+            </a:pPr>
+            <a:endParaRPr lang="en-US" sz="2400" dirty="0"/>
+          </a:p>
+          <a:p>
+            <a:pPr algn="l"/>
+            <a:endParaRPr lang="en-US" sz="2400" dirty="0"/>
+          </a:p>
+        </p:txBody>
+      </p:sp>
+    </p:spTree>
+    <p:extLst>
+      <p:ext uri="{BB962C8B-B14F-4D97-AF65-F5344CB8AC3E}">
+        <p14:creationId xmlns:p14="http://schemas.microsoft.com/office/powerpoint/2010/main" val="1248232333"/>
+      </p:ext>
+    </p:extLst>
+  </p:cSld>
+  <p:clrMapOvr>
+    <a:masterClrMapping/>
+  </p:clrMapOvr>
+</p:sld>
+</file>
+
+<file path=ppt/slides/slide15.xml><?xml version="1.0" encoding="utf-8"?>
+<p:sld xmlns:a="http://schemas.openxmlformats.org/drawingml/2006/main" xmlns:r="http://schemas.openxmlformats.org/officeDocument/2006/relationships" xmlns:p="http://schemas.openxmlformats.org/presentationml/2006/main">
+  <p:cSld>
+    <p:spTree>
+      <p:nvGrpSpPr>
+        <p:cNvPr id="1" name=""/>
+        <p:cNvGrpSpPr/>
+        <p:nvPr/>
+      </p:nvGrpSpPr>
+      <p:grpSpPr>
+        <a:xfrm>
+          <a:off x="0" y="0"/>
+          <a:ext cx="0" cy="0"/>
+          <a:chOff x="0" y="0"/>
+          <a:chExt cx="0" cy="0"/>
+        </a:xfrm>
+      </p:grpSpPr>
+      <p:sp>
+        <p:nvSpPr>
+          <p:cNvPr id="2" name="Title 1">
+            <a:extLst>
+              <a:ext uri="{FF2B5EF4-FFF2-40B4-BE49-F238E27FC236}">
+                <a16:creationId xmlns:a16="http://schemas.microsoft.com/office/drawing/2014/main" id="{31BAA6B3-DABC-F938-BCBC-C2B31CA38385}"/>
+              </a:ext>
+            </a:extLst>
+          </p:cNvPr>
+          <p:cNvSpPr>
+            <a:spLocks noGrp="1"/>
+          </p:cNvSpPr>
+          <p:nvPr>
+            <p:ph type="ctrTitle"/>
+          </p:nvPr>
+        </p:nvSpPr>
+        <p:spPr/>
+        <p:txBody>
+          <a:bodyPr/>
+          <a:lstStyle/>
+          <a:p>
+            <a:r>
+              <a:rPr lang="en-US" dirty="0"/>
+              <a:t>Thank you</a:t>
+            </a:r>
+          </a:p>
+        </p:txBody>
+      </p:sp>
+      <p:sp>
+        <p:nvSpPr>
+          <p:cNvPr id="3" name="Subtitle 2">
+            <a:extLst>
+              <a:ext uri="{FF2B5EF4-FFF2-40B4-BE49-F238E27FC236}">
+                <a16:creationId xmlns:a16="http://schemas.microsoft.com/office/drawing/2014/main" id="{64D612CB-3C25-4ED9-A0A8-ECB4A337B0DD}"/>
+              </a:ext>
+            </a:extLst>
+          </p:cNvPr>
+          <p:cNvSpPr>
+            <a:spLocks noGrp="1"/>
+          </p:cNvSpPr>
+          <p:nvPr>
+            <p:ph type="subTitle" idx="1"/>
+          </p:nvPr>
+        </p:nvSpPr>
+        <p:spPr/>
+        <p:txBody>
+          <a:bodyPr>
+            <a:normAutofit/>
+          </a:bodyPr>
+          <a:lstStyle/>
+          <a:p>
+            <a:r>
+              <a:rPr lang="en-US" sz="2400" dirty="0"/>
+              <a:t>Umesh Deshmukh</a:t>
+            </a:r>
+          </a:p>
+          <a:p>
+            <a:r>
+              <a:rPr lang="en-US" sz="2400" dirty="0"/>
+              <a:t>umeshdeshmukh2024@gmail.com</a:t>
+            </a:r>
+          </a:p>
+        </p:txBody>
+      </p:sp>
+    </p:spTree>
+    <p:extLst>
+      <p:ext uri="{BB962C8B-B14F-4D97-AF65-F5344CB8AC3E}">
+        <p14:creationId xmlns:p14="http://schemas.microsoft.com/office/powerpoint/2010/main" val="1499635155"/>
+      </p:ext>
+    </p:extLst>
+  </p:cSld>
+  <p:clrMapOvr>
+    <a:masterClrMapping/>
+  </p:clrMapOvr>
+</p:sld>
+</file>
+
+<file path=ppt/slides/slide2.xml><?xml version="1.0" encoding="utf-8"?>
+<p:sld xmlns:a="http://schemas.openxmlformats.org/drawingml/2006/main" xmlns:r="http://schemas.openxmlformats.org/officeDocument/2006/relationships" xmlns:p="http://schemas.openxmlformats.org/presentationml/2006/main">
+  <p:cSld>
+    <p:spTree>
+      <p:nvGrpSpPr>
+        <p:cNvPr id="1" name=""/>
+        <p:cNvGrpSpPr/>
+        <p:nvPr/>
+      </p:nvGrpSpPr>
+      <p:grpSpPr>
+        <a:xfrm>
+          <a:off x="0" y="0"/>
+          <a:ext cx="0" cy="0"/>
+          <a:chOff x="0" y="0"/>
+          <a:chExt cx="0" cy="0"/>
+        </a:xfrm>
+      </p:grpSpPr>
+      <p:sp>
+        <p:nvSpPr>
+          <p:cNvPr id="2" name="Title 1">
+            <a:extLst>
+              <a:ext uri="{FF2B5EF4-FFF2-40B4-BE49-F238E27FC236}">
+                <a16:creationId xmlns:a16="http://schemas.microsoft.com/office/drawing/2014/main" id="{2B81E9BC-45C6-EB51-E166-5F1EAA32F2DD}"/>
+              </a:ext>
+            </a:extLst>
+          </p:cNvPr>
+          <p:cNvSpPr>
+            <a:spLocks noGrp="1"/>
+          </p:cNvSpPr>
+          <p:nvPr>
+            <p:ph type="title"/>
+          </p:nvPr>
+        </p:nvSpPr>
+        <p:spPr/>
+        <p:txBody>
+          <a:bodyPr/>
+          <a:lstStyle/>
+          <a:p>
+            <a:endParaRPr lang="en-US"/>
+          </a:p>
+        </p:txBody>
+      </p:sp>
+      <p:pic>
+        <p:nvPicPr>
+          <p:cNvPr id="9" name="Content Placeholder 8" descr="Timeline&#10;&#10;Description automatically generated">
+            <a:extLst>
+              <a:ext uri="{FF2B5EF4-FFF2-40B4-BE49-F238E27FC236}">
+                <a16:creationId xmlns:a16="http://schemas.microsoft.com/office/drawing/2014/main" id="{09BB84EA-7E88-4026-0C9D-133106FB97F2}"/>
+              </a:ext>
+            </a:extLst>
+          </p:cNvPr>
+          <p:cNvPicPr>
+            <a:picLocks noGrp="1" noChangeAspect="1"/>
+          </p:cNvPicPr>
+          <p:nvPr>
+            <p:ph idx="1"/>
+          </p:nvPr>
+        </p:nvPicPr>
+        <p:blipFill>
+          <a:blip r:embed="rId2">
+            <a:extLst>
+              <a:ext uri="{28A0092B-C50C-407E-A947-70E740481C1C}">
+                <a14:useLocalDpi xmlns:a14="http://schemas.microsoft.com/office/drawing/2010/main" val="0"/>
+              </a:ext>
+            </a:extLst>
+          </a:blip>
+          <a:stretch>
+            <a:fillRect/>
+          </a:stretch>
+        </p:blipFill>
+        <p:spPr>
+          <a:xfrm>
+            <a:off x="807720" y="2160588"/>
+            <a:ext cx="7852092" cy="4293552"/>
+          </a:xfrm>
+        </p:spPr>
+      </p:pic>
+    </p:spTree>
+    <p:extLst>
+      <p:ext uri="{BB962C8B-B14F-4D97-AF65-F5344CB8AC3E}">
+        <p14:creationId xmlns:p14="http://schemas.microsoft.com/office/powerpoint/2010/main" val="1037658485"/>
+      </p:ext>
+    </p:extLst>
+  </p:cSld>
+  <p:clrMapOvr>
+    <a:masterClrMapping/>
+  </p:clrMapOvr>
+</p:sld>
+</file>
+
+<file path=ppt/slides/slide3.xml><?xml version="1.0" encoding="utf-8"?>
+<p:sld xmlns:a="http://schemas.openxmlformats.org/drawingml/2006/main" xmlns:r="http://schemas.openxmlformats.org/officeDocument/2006/relationships" xmlns:p="http://schemas.openxmlformats.org/presentationml/2006/main">
+  <p:cSld>
+    <p:spTree>
+      <p:nvGrpSpPr>
+        <p:cNvPr id="1" name=""/>
+        <p:cNvGrpSpPr/>
+        <p:nvPr/>
+      </p:nvGrpSpPr>
+      <p:grpSpPr>
+        <a:xfrm>
+          <a:off x="0" y="0"/>
+          <a:ext cx="0" cy="0"/>
+          <a:chOff x="0" y="0"/>
+          <a:chExt cx="0" cy="0"/>
+        </a:xfrm>
+      </p:grpSpPr>
+      <p:sp>
+        <p:nvSpPr>
+          <p:cNvPr id="2" name="Title 1">
+            <a:extLst>
+              <a:ext uri="{FF2B5EF4-FFF2-40B4-BE49-F238E27FC236}">
+                <a16:creationId xmlns:a16="http://schemas.microsoft.com/office/drawing/2014/main" id="{0A56BBA1-DC99-7FDB-285D-ED82AA399B2A}"/>
+              </a:ext>
+            </a:extLst>
+          </p:cNvPr>
+          <p:cNvSpPr>
+            <a:spLocks noGrp="1"/>
+          </p:cNvSpPr>
+          <p:nvPr>
+            <p:ph type="title"/>
+          </p:nvPr>
+        </p:nvSpPr>
+        <p:spPr/>
+        <p:txBody>
+          <a:bodyPr/>
+          <a:lstStyle/>
+          <a:p>
+            <a:endParaRPr lang="en-US"/>
+          </a:p>
+        </p:txBody>
+      </p:sp>
+      <p:pic>
+        <p:nvPicPr>
+          <p:cNvPr id="5" name="Content Placeholder 4" descr="Diagram&#10;&#10;Description automatically generated">
+            <a:extLst>
+              <a:ext uri="{FF2B5EF4-FFF2-40B4-BE49-F238E27FC236}">
+                <a16:creationId xmlns:a16="http://schemas.microsoft.com/office/drawing/2014/main" id="{9AA78D17-566B-EFA5-0AB5-063FBD39EBEB}"/>
+              </a:ext>
+            </a:extLst>
+          </p:cNvPr>
+          <p:cNvPicPr>
+            <a:picLocks noGrp="1" noChangeAspect="1"/>
+          </p:cNvPicPr>
+          <p:nvPr>
+            <p:ph idx="1"/>
+          </p:nvPr>
+        </p:nvPicPr>
+        <p:blipFill>
+          <a:blip r:embed="rId2">
+            <a:extLst>
+              <a:ext uri="{28A0092B-C50C-407E-A947-70E740481C1C}">
+                <a14:useLocalDpi xmlns:a14="http://schemas.microsoft.com/office/drawing/2010/main" val="0"/>
+              </a:ext>
+            </a:extLst>
+          </a:blip>
+          <a:stretch>
+            <a:fillRect/>
+          </a:stretch>
+        </p:blipFill>
+        <p:spPr>
+          <a:xfrm>
+            <a:off x="579120" y="2160588"/>
+            <a:ext cx="8694882" cy="4087812"/>
+          </a:xfrm>
+        </p:spPr>
+      </p:pic>
+    </p:spTree>
+    <p:extLst>
+      <p:ext uri="{BB962C8B-B14F-4D97-AF65-F5344CB8AC3E}">
+        <p14:creationId xmlns:p14="http://schemas.microsoft.com/office/powerpoint/2010/main" val="2365930469"/>
+      </p:ext>
+    </p:extLst>
+  </p:cSld>
+  <p:clrMapOvr>
+    <a:masterClrMapping/>
+  </p:clrMapOvr>
+</p:sld>
+</file>
+
 <file path=ppt/slides/slide4.xml><?xml version="1.0" encoding="utf-8"?>
 <p:sld xmlns:a="http://schemas.openxmlformats.org/drawingml/2006/main" xmlns:r="http://schemas.openxmlformats.org/officeDocument/2006/relationships" xmlns:p="http://schemas.openxmlformats.org/presentationml/2006/main">
   <p:cSld>
@@ -7219,7 +7964,7 @@
           <p:cNvPr id="2" name="Title 1">
             <a:extLst>
               <a:ext uri="{FF2B5EF4-FFF2-40B4-BE49-F238E27FC236}">
-                <a16:creationId xmlns:a16="http://schemas.microsoft.com/office/drawing/2014/main" id="{8D4A6C62-9327-4B7D-E897-A2BE633D1FAD}"/>
+                <a16:creationId xmlns:a16="http://schemas.microsoft.com/office/drawing/2014/main" id="{607AD6FE-859C-F6AE-0C9A-0C75245473AD}"/>
               </a:ext>
             </a:extLst>
           </p:cNvPr>
@@ -7227,170 +7972,57 @@
             <a:spLocks noGrp="1"/>
           </p:cNvSpPr>
           <p:nvPr>
-            <p:ph type="ctrTitle"/>
-          </p:nvPr>
-        </p:nvSpPr>
-        <p:spPr>
-          <a:xfrm>
-            <a:off x="1507066" y="1149883"/>
-            <a:ext cx="5188701" cy="639587"/>
-          </a:xfrm>
-        </p:spPr>
+            <p:ph type="title"/>
+          </p:nvPr>
+        </p:nvSpPr>
+        <p:spPr/>
         <p:txBody>
           <a:bodyPr/>
           <a:lstStyle/>
           <a:p>
-            <a:r>
-              <a:rPr lang="en-US" sz="3600" dirty="0"/>
-              <a:t>RGB to Gray conversion</a:t>
-            </a:r>
-          </a:p>
-        </p:txBody>
-      </p:sp>
-      <p:sp>
-        <p:nvSpPr>
-          <p:cNvPr id="3" name="Subtitle 2">
+            <a:endParaRPr lang="en-US"/>
+          </a:p>
+        </p:txBody>
+      </p:sp>
+      <p:pic>
+        <p:nvPicPr>
+          <p:cNvPr id="5" name="Content Placeholder 4" descr="A picture containing diagram&#10;&#10;Description automatically generated">
             <a:extLst>
               <a:ext uri="{FF2B5EF4-FFF2-40B4-BE49-F238E27FC236}">
-                <a16:creationId xmlns:a16="http://schemas.microsoft.com/office/drawing/2014/main" id="{B9233905-AB64-2196-6848-7F91FA4F553E}"/>
+                <a16:creationId xmlns:a16="http://schemas.microsoft.com/office/drawing/2014/main" id="{6F4E76A8-B0DF-9E68-47B5-95FDC22570D9}"/>
               </a:ext>
             </a:extLst>
           </p:cNvPr>
-          <p:cNvSpPr>
-            <a:spLocks noGrp="1"/>
-          </p:cNvSpPr>
-          <p:nvPr>
-            <p:ph type="subTitle" idx="1"/>
-          </p:nvPr>
-        </p:nvSpPr>
+          <p:cNvPicPr>
+            <a:picLocks noGrp="1" noChangeAspect="1"/>
+          </p:cNvPicPr>
+          <p:nvPr>
+            <p:ph idx="1"/>
+          </p:nvPr>
+        </p:nvPicPr>
+        <p:blipFill>
+          <a:blip r:embed="rId2">
+            <a:extLst>
+              <a:ext uri="{28A0092B-C50C-407E-A947-70E740481C1C}">
+                <a14:useLocalDpi xmlns:a14="http://schemas.microsoft.com/office/drawing/2010/main" val="0"/>
+              </a:ext>
+            </a:extLst>
+          </a:blip>
+          <a:stretch>
+            <a:fillRect/>
+          </a:stretch>
+        </p:blipFill>
         <p:spPr>
           <a:xfrm>
-            <a:off x="1337187" y="2743201"/>
-            <a:ext cx="7936816" cy="2404532"/>
+            <a:off x="677333" y="2160588"/>
+            <a:ext cx="8596669" cy="4141152"/>
           </a:xfrm>
         </p:spPr>
-        <p:txBody>
-          <a:bodyPr/>
-          <a:lstStyle/>
-          <a:p>
-            <a:pPr marL="285750" indent="-285750" algn="l">
-              <a:buFont typeface="Arial" panose="020B0604020202020204" pitchFamily="34" charset="0"/>
-              <a:buChar char="•"/>
-            </a:pPr>
-            <a:r>
-              <a:rPr lang="en-US" sz="2400" dirty="0">
-                <a:solidFill>
-                  <a:schemeClr val="tx1"/>
-                </a:solidFill>
-              </a:rPr>
-              <a:t>Relatively simple operation</a:t>
-            </a:r>
-          </a:p>
-          <a:p>
-            <a:pPr marL="285750" indent="-285750" algn="l">
-              <a:buFont typeface="Arial" panose="020B0604020202020204" pitchFamily="34" charset="0"/>
-              <a:buChar char="•"/>
-            </a:pPr>
-            <a:r>
-              <a:rPr lang="en-US" sz="2400" dirty="0">
-                <a:solidFill>
-                  <a:schemeClr val="tx1"/>
-                </a:solidFill>
-              </a:rPr>
-              <a:t>Formula</a:t>
-            </a:r>
-          </a:p>
-          <a:p>
-            <a:pPr algn="l"/>
-            <a:r>
-              <a:rPr lang="en-US" sz="2400" dirty="0">
-                <a:solidFill>
-                  <a:schemeClr val="tx1"/>
-                </a:solidFill>
-              </a:rPr>
-              <a:t>    Gray value = </a:t>
-            </a:r>
-            <a:r>
-              <a:rPr lang="pt-BR" sz="2400" dirty="0">
-                <a:solidFill>
-                  <a:schemeClr val="tx1"/>
-                </a:solidFill>
-              </a:rPr>
-              <a:t>(</a:t>
-            </a:r>
-            <a:r>
-              <a:rPr lang="pt-BR" sz="2400" dirty="0">
-                <a:solidFill>
-                  <a:srgbClr val="FF0000"/>
-                </a:solidFill>
-              </a:rPr>
-              <a:t>R</a:t>
-            </a:r>
-            <a:r>
-              <a:rPr lang="pt-BR" sz="2400" dirty="0">
-                <a:solidFill>
-                  <a:schemeClr val="tx1"/>
-                </a:solidFill>
-              </a:rPr>
-              <a:t> *0.2126f + </a:t>
-            </a:r>
-            <a:r>
-              <a:rPr lang="pt-BR" sz="2400" dirty="0">
-                <a:solidFill>
-                  <a:srgbClr val="00B050"/>
-                </a:solidFill>
-              </a:rPr>
-              <a:t>G</a:t>
-            </a:r>
-            <a:r>
-              <a:rPr lang="pt-BR" sz="2400" dirty="0">
-                <a:solidFill>
-                  <a:schemeClr val="tx1"/>
-                </a:solidFill>
-              </a:rPr>
-              <a:t> *0.7152f + </a:t>
-            </a:r>
-            <a:r>
-              <a:rPr lang="pt-BR" sz="2400" dirty="0">
-                <a:solidFill>
-                  <a:srgbClr val="0070C0"/>
-                </a:solidFill>
-              </a:rPr>
-              <a:t>B</a:t>
-            </a:r>
-            <a:r>
-              <a:rPr lang="pt-BR" sz="2400" dirty="0">
-                <a:solidFill>
-                  <a:schemeClr val="tx1"/>
-                </a:solidFill>
-              </a:rPr>
-              <a:t> *0.0722f)</a:t>
-            </a:r>
-          </a:p>
-          <a:p>
-            <a:pPr algn="l"/>
-            <a:r>
-              <a:rPr lang="pt-BR" sz="2400" dirty="0">
-                <a:solidFill>
-                  <a:schemeClr val="tx1"/>
-                </a:solidFill>
-              </a:rPr>
-              <a:t>    R, G, B are Red, Green, and Blue Channel values.</a:t>
-            </a:r>
-          </a:p>
-          <a:p>
-            <a:pPr algn="l"/>
-            <a:endParaRPr lang="en-US" dirty="0"/>
-          </a:p>
-          <a:p>
-            <a:endParaRPr lang="en-US" dirty="0"/>
-          </a:p>
-        </p:txBody>
-      </p:sp>
+      </p:pic>
     </p:spTree>
     <p:extLst>
       <p:ext uri="{BB962C8B-B14F-4D97-AF65-F5344CB8AC3E}">
-        <p14:creationId xmlns:p14="http://schemas.microsoft.com/office/powerpoint/2010/main" val="2658355762"/>
+        <p14:creationId xmlns:p14="http://schemas.microsoft.com/office/powerpoint/2010/main" val="3041022650"/>
       </p:ext>
     </p:extLst>
   </p:cSld>
@@ -7422,7 +8054,7 @@
           <p:cNvPr id="2" name="Title 1">
             <a:extLst>
               <a:ext uri="{FF2B5EF4-FFF2-40B4-BE49-F238E27FC236}">
-                <a16:creationId xmlns:a16="http://schemas.microsoft.com/office/drawing/2014/main" id="{F0E6B53E-21F8-D0E8-8E1F-2609424C76A5}"/>
+                <a16:creationId xmlns:a16="http://schemas.microsoft.com/office/drawing/2014/main" id="{AA3854AD-4D97-052C-4405-B2CD1008B966}"/>
               </a:ext>
             </a:extLst>
           </p:cNvPr>
@@ -7433,101 +8065,54 @@
             <p:ph type="title"/>
           </p:nvPr>
         </p:nvSpPr>
-        <p:spPr>
-          <a:xfrm>
-            <a:off x="196645" y="218016"/>
-            <a:ext cx="4335217" cy="1278466"/>
-          </a:xfrm>
-        </p:spPr>
-        <p:txBody>
-          <a:bodyPr>
-            <a:normAutofit/>
-          </a:bodyPr>
-          <a:lstStyle/>
-          <a:p>
-            <a:r>
-              <a:rPr lang="en-US" sz="3600" dirty="0"/>
-              <a:t>Performance comparison</a:t>
-            </a:r>
-          </a:p>
-        </p:txBody>
-      </p:sp>
-      <p:graphicFrame>
-        <p:nvGraphicFramePr>
-          <p:cNvPr id="8" name="Content Placeholder 7">
+        <p:spPr/>
+        <p:txBody>
+          <a:bodyPr/>
+          <a:lstStyle/>
+          <a:p>
+            <a:endParaRPr lang="en-US"/>
+          </a:p>
+        </p:txBody>
+      </p:sp>
+      <p:pic>
+        <p:nvPicPr>
+          <p:cNvPr id="5" name="Content Placeholder 4" descr="Diagram&#10;&#10;Description automatically generated">
             <a:extLst>
               <a:ext uri="{FF2B5EF4-FFF2-40B4-BE49-F238E27FC236}">
-                <a16:creationId xmlns:a16="http://schemas.microsoft.com/office/drawing/2014/main" id="{D2250892-2A0E-96C0-F9BB-27B217163FCB}"/>
+                <a16:creationId xmlns:a16="http://schemas.microsoft.com/office/drawing/2014/main" id="{695CFAB1-EC9C-6106-59AB-2B39BF078607}"/>
               </a:ext>
             </a:extLst>
           </p:cNvPr>
-          <p:cNvGraphicFramePr>
-            <a:graphicFrameLocks noGrp="1"/>
-          </p:cNvGraphicFramePr>
+          <p:cNvPicPr>
+            <a:picLocks noGrp="1" noChangeAspect="1"/>
+          </p:cNvPicPr>
           <p:nvPr>
             <p:ph idx="1"/>
-            <p:extLst>
-              <p:ext uri="{D42A27DB-BD31-4B8C-83A1-F6EECF244321}">
-                <p14:modId xmlns:p14="http://schemas.microsoft.com/office/powerpoint/2010/main" val="148909477"/>
-              </p:ext>
-            </p:extLst>
-          </p:nvPr>
-        </p:nvGraphicFramePr>
-        <p:xfrm>
-          <a:off x="4760913" y="514350"/>
-          <a:ext cx="4513262" cy="5527675"/>
-        </p:xfrm>
-        <a:graphic>
-          <a:graphicData uri="http://schemas.openxmlformats.org/drawingml/2006/chart">
-            <c:chart xmlns:c="http://schemas.openxmlformats.org/drawingml/2006/chart" xmlns:r="http://schemas.openxmlformats.org/officeDocument/2006/relationships" r:id="rId2"/>
-          </a:graphicData>
-        </a:graphic>
-      </p:graphicFrame>
-      <p:sp>
-        <p:nvSpPr>
-          <p:cNvPr id="4" name="Text Placeholder 3">
+          </p:nvPr>
+        </p:nvPicPr>
+        <p:blipFill>
+          <a:blip r:embed="rId2">
             <a:extLst>
-              <a:ext uri="{FF2B5EF4-FFF2-40B4-BE49-F238E27FC236}">
-                <a16:creationId xmlns:a16="http://schemas.microsoft.com/office/drawing/2014/main" id="{9FB0A756-8EB2-2A6F-5076-9703E5D50A8E}"/>
+              <a:ext uri="{28A0092B-C50C-407E-A947-70E740481C1C}">
+                <a14:useLocalDpi xmlns:a14="http://schemas.microsoft.com/office/drawing/2010/main" val="0"/>
               </a:ext>
             </a:extLst>
-          </p:cNvPr>
-          <p:cNvSpPr>
-            <a:spLocks noGrp="1"/>
-          </p:cNvSpPr>
-          <p:nvPr>
-            <p:ph type="body" sz="half" idx="2"/>
-          </p:nvPr>
-        </p:nvSpPr>
+          </a:blip>
+          <a:stretch>
+            <a:fillRect/>
+          </a:stretch>
+        </p:blipFill>
         <p:spPr>
           <a:xfrm>
-            <a:off x="127819" y="2777070"/>
-            <a:ext cx="4633093" cy="1667112"/>
+            <a:off x="1752600" y="2213928"/>
+            <a:ext cx="6179820" cy="4369752"/>
           </a:xfrm>
         </p:spPr>
-        <p:txBody>
-          <a:bodyPr>
-            <a:normAutofit fontScale="92500"/>
-          </a:bodyPr>
-          <a:lstStyle/>
-          <a:p>
-            <a:r>
-              <a:rPr lang="en-US" sz="2400" dirty="0"/>
-              <a:t>Maximum speed up achieved for a scalar implementation with thread level parallelism with 4 threads.</a:t>
-            </a:r>
-          </a:p>
-          <a:p>
-            <a:r>
-              <a:rPr lang="en-US" dirty="0"/>
-              <a:t> </a:t>
-            </a:r>
-          </a:p>
-        </p:txBody>
-      </p:sp>
+      </p:pic>
     </p:spTree>
     <p:extLst>
       <p:ext uri="{BB962C8B-B14F-4D97-AF65-F5344CB8AC3E}">
-        <p14:creationId xmlns:p14="http://schemas.microsoft.com/office/powerpoint/2010/main" val="595420048"/>
+        <p14:creationId xmlns:p14="http://schemas.microsoft.com/office/powerpoint/2010/main" val="1132140545"/>
       </p:ext>
     </p:extLst>
   </p:cSld>
@@ -7559,7 +8144,7 @@
           <p:cNvPr id="2" name="Title 1">
             <a:extLst>
               <a:ext uri="{FF2B5EF4-FFF2-40B4-BE49-F238E27FC236}">
-                <a16:creationId xmlns:a16="http://schemas.microsoft.com/office/drawing/2014/main" id="{D40EF9F3-CABD-07DF-4DDE-E9326F7AFCE0}"/>
+                <a16:creationId xmlns:a16="http://schemas.microsoft.com/office/drawing/2014/main" id="{2F22286B-4D5B-4EB6-E73C-3A9FCD8CADA7}"/>
               </a:ext>
             </a:extLst>
           </p:cNvPr>
@@ -7575,106 +8160,49 @@
           <a:bodyPr/>
           <a:lstStyle/>
           <a:p>
-            <a:r>
-              <a:rPr lang="en-US" dirty="0"/>
-              <a:t>Implementations</a:t>
-            </a:r>
-          </a:p>
-        </p:txBody>
-      </p:sp>
-      <p:sp>
-        <p:nvSpPr>
-          <p:cNvPr id="4" name="TextBox 3">
+            <a:endParaRPr lang="en-US" dirty="0"/>
+          </a:p>
+        </p:txBody>
+      </p:sp>
+      <p:pic>
+        <p:nvPicPr>
+          <p:cNvPr id="5" name="Content Placeholder 4" descr="Diagram&#10;&#10;Description automatically generated with low confidence">
             <a:extLst>
               <a:ext uri="{FF2B5EF4-FFF2-40B4-BE49-F238E27FC236}">
-                <a16:creationId xmlns:a16="http://schemas.microsoft.com/office/drawing/2014/main" id="{3BF6E450-229E-D225-5431-96F5FF4CF2D5}"/>
+                <a16:creationId xmlns:a16="http://schemas.microsoft.com/office/drawing/2014/main" id="{9113C2F8-73EF-14ED-E928-8CC3100F7232}"/>
               </a:ext>
             </a:extLst>
           </p:cNvPr>
-          <p:cNvSpPr txBox="1"/>
-          <p:nvPr/>
-        </p:nvSpPr>
+          <p:cNvPicPr>
+            <a:picLocks noGrp="1" noChangeAspect="1"/>
+          </p:cNvPicPr>
+          <p:nvPr>
+            <p:ph idx="1"/>
+          </p:nvPr>
+        </p:nvPicPr>
+        <p:blipFill>
+          <a:blip r:embed="rId2">
+            <a:extLst>
+              <a:ext uri="{28A0092B-C50C-407E-A947-70E740481C1C}">
+                <a14:useLocalDpi xmlns:a14="http://schemas.microsoft.com/office/drawing/2010/main" val="0"/>
+              </a:ext>
+            </a:extLst>
+          </a:blip>
+          <a:stretch>
+            <a:fillRect/>
+          </a:stretch>
+        </p:blipFill>
         <p:spPr>
           <a:xfrm>
-            <a:off x="786580" y="1930400"/>
-            <a:ext cx="9094839" cy="3970318"/>
+            <a:off x="677334" y="2160588"/>
+            <a:ext cx="8596667" cy="4164012"/>
           </a:xfrm>
-          <a:prstGeom prst="rect">
-            <a:avLst/>
-          </a:prstGeom>
-          <a:noFill/>
         </p:spPr>
-        <p:txBody>
-          <a:bodyPr wrap="square" rtlCol="0">
-            <a:spAutoFit/>
-          </a:bodyPr>
-          <a:lstStyle/>
-          <a:p>
-            <a:pPr marL="285750" indent="-285750">
-              <a:buFont typeface="Arial" panose="020B0604020202020204" pitchFamily="34" charset="0"/>
-              <a:buChar char="•"/>
-            </a:pPr>
-            <a:r>
-              <a:rPr lang="en-US" sz="2400" b="1" u="sng" dirty="0"/>
-              <a:t>Scalar implementation(Baseline)- </a:t>
-            </a:r>
-          </a:p>
-          <a:p>
-            <a:r>
-              <a:rPr lang="en-US" sz="2400" dirty="0"/>
-              <a:t>    Simple for loop implementation running on a single core.</a:t>
-            </a:r>
-          </a:p>
-          <a:p>
-            <a:endParaRPr lang="en-US" sz="2400" dirty="0"/>
-          </a:p>
-          <a:p>
-            <a:pPr marL="285750" indent="-285750">
-              <a:buFont typeface="Arial" panose="020B0604020202020204" pitchFamily="34" charset="0"/>
-              <a:buChar char="•"/>
-            </a:pPr>
-            <a:r>
-              <a:rPr lang="en-US" sz="2400" b="1" u="sng" dirty="0"/>
-              <a:t>SIMD Implementation- </a:t>
-            </a:r>
-            <a:r>
-              <a:rPr lang="en-US" sz="2400" dirty="0"/>
-              <a:t>Taking advantage of data parallel SIMD engine and implement data operations   using AArch64 Neon assembly instructions.</a:t>
-            </a:r>
-          </a:p>
-          <a:p>
-            <a:pPr marL="285750" indent="-285750">
-              <a:buFont typeface="Arial" panose="020B0604020202020204" pitchFamily="34" charset="0"/>
-              <a:buChar char="•"/>
-            </a:pPr>
-            <a:endParaRPr lang="en-US" sz="2400" dirty="0"/>
-          </a:p>
-          <a:p>
-            <a:pPr marL="285750" indent="-285750">
-              <a:buFont typeface="Arial" panose="020B0604020202020204" pitchFamily="34" charset="0"/>
-              <a:buChar char="•"/>
-            </a:pPr>
-            <a:r>
-              <a:rPr lang="en-US" sz="2400" b="1" u="sng" dirty="0"/>
-              <a:t>OpenMP implementation- </a:t>
-            </a:r>
-            <a:r>
-              <a:rPr lang="en-US" sz="2400" dirty="0"/>
-              <a:t>Taking advantage of multicore SoC with different no. of threads from 2 to 32.</a:t>
-            </a:r>
-          </a:p>
-          <a:p>
-            <a:endParaRPr lang="en-US" dirty="0"/>
-          </a:p>
-          <a:p>
-            <a:endParaRPr lang="en-US" dirty="0"/>
-          </a:p>
-        </p:txBody>
-      </p:sp>
+      </p:pic>
     </p:spTree>
     <p:extLst>
       <p:ext uri="{BB962C8B-B14F-4D97-AF65-F5344CB8AC3E}">
-        <p14:creationId xmlns:p14="http://schemas.microsoft.com/office/powerpoint/2010/main" val="2349631491"/>
+        <p14:creationId xmlns:p14="http://schemas.microsoft.com/office/powerpoint/2010/main" val="2472972383"/>
       </p:ext>
     </p:extLst>
   </p:cSld>
@@ -7706,7 +8234,7 @@
           <p:cNvPr id="2" name="Title 1">
             <a:extLst>
               <a:ext uri="{FF2B5EF4-FFF2-40B4-BE49-F238E27FC236}">
-                <a16:creationId xmlns:a16="http://schemas.microsoft.com/office/drawing/2014/main" id="{A107E990-29EE-F2F2-8166-861AC58FF9C2}"/>
+                <a16:creationId xmlns:a16="http://schemas.microsoft.com/office/drawing/2014/main" id="{541B204F-3C8E-8F0F-5F42-4B5D1D7EB01A}"/>
               </a:ext>
             </a:extLst>
           </p:cNvPr>
@@ -7714,127 +8242,57 @@
             <a:spLocks noGrp="1"/>
           </p:cNvSpPr>
           <p:nvPr>
-            <p:ph type="ctrTitle"/>
-          </p:nvPr>
-        </p:nvSpPr>
-        <p:spPr>
-          <a:xfrm>
-            <a:off x="1320254" y="428250"/>
-            <a:ext cx="7766936" cy="1646302"/>
-          </a:xfrm>
-        </p:spPr>
+            <p:ph type="title"/>
+          </p:nvPr>
+        </p:nvSpPr>
+        <p:spPr/>
         <p:txBody>
           <a:bodyPr/>
           <a:lstStyle/>
           <a:p>
-            <a:pPr algn="l"/>
-            <a:r>
-              <a:rPr lang="en-US" sz="3600" dirty="0"/>
-              <a:t>Future Exploration</a:t>
-            </a:r>
-          </a:p>
-        </p:txBody>
-      </p:sp>
-      <p:sp>
-        <p:nvSpPr>
-          <p:cNvPr id="3" name="Subtitle 2">
+            <a:endParaRPr lang="en-US"/>
+          </a:p>
+        </p:txBody>
+      </p:sp>
+      <p:pic>
+        <p:nvPicPr>
+          <p:cNvPr id="5" name="Content Placeholder 4" descr="Graphical user interface, text, application, email&#10;&#10;Description automatically generated">
             <a:extLst>
               <a:ext uri="{FF2B5EF4-FFF2-40B4-BE49-F238E27FC236}">
-                <a16:creationId xmlns:a16="http://schemas.microsoft.com/office/drawing/2014/main" id="{9D4D589B-74BE-C03F-CC6A-C4309CEB029D}"/>
+                <a16:creationId xmlns:a16="http://schemas.microsoft.com/office/drawing/2014/main" id="{8E1C8BD8-1526-E8CA-5327-F6028B325872}"/>
               </a:ext>
             </a:extLst>
           </p:cNvPr>
-          <p:cNvSpPr>
-            <a:spLocks noGrp="1"/>
-          </p:cNvSpPr>
-          <p:nvPr>
-            <p:ph type="subTitle" idx="1"/>
-          </p:nvPr>
-        </p:nvSpPr>
+          <p:cNvPicPr>
+            <a:picLocks noGrp="1" noChangeAspect="1"/>
+          </p:cNvPicPr>
+          <p:nvPr>
+            <p:ph idx="1"/>
+          </p:nvPr>
+        </p:nvPicPr>
+        <p:blipFill>
+          <a:blip r:embed="rId2">
+            <a:extLst>
+              <a:ext uri="{28A0092B-C50C-407E-A947-70E740481C1C}">
+                <a14:useLocalDpi xmlns:a14="http://schemas.microsoft.com/office/drawing/2010/main" val="0"/>
+              </a:ext>
+            </a:extLst>
+          </a:blip>
+          <a:stretch>
+            <a:fillRect/>
+          </a:stretch>
+        </p:blipFill>
         <p:spPr>
           <a:xfrm>
-            <a:off x="1320254" y="2182761"/>
-            <a:ext cx="8295694" cy="2261420"/>
+            <a:off x="1935375" y="2196141"/>
+            <a:ext cx="6081287" cy="3810330"/>
           </a:xfrm>
         </p:spPr>
-        <p:txBody>
-          <a:bodyPr>
-            <a:noAutofit/>
-          </a:bodyPr>
-          <a:lstStyle/>
-          <a:p>
-            <a:pPr marL="285750" indent="-285750" algn="l">
-              <a:buFont typeface="Arial" panose="020B0604020202020204" pitchFamily="34" charset="0"/>
-              <a:buChar char="•"/>
-            </a:pPr>
-            <a:r>
-              <a:rPr lang="en-US" sz="2400" dirty="0">
-                <a:solidFill>
-                  <a:schemeClr val="tx1"/>
-                </a:solidFill>
-              </a:rPr>
-              <a:t>Using different memory map for image file planar or instead of current interleaved.</a:t>
-            </a:r>
-          </a:p>
-          <a:p>
-            <a:pPr marL="285750" indent="-285750" algn="l">
-              <a:buFont typeface="Arial" panose="020B0604020202020204" pitchFamily="34" charset="0"/>
-              <a:buChar char="•"/>
-            </a:pPr>
-            <a:r>
-              <a:rPr lang="en-US" sz="2400" dirty="0">
-                <a:solidFill>
-                  <a:schemeClr val="tx1"/>
-                </a:solidFill>
-              </a:rPr>
-              <a:t>Combine data and thread level parallelism.</a:t>
-            </a:r>
-          </a:p>
-          <a:p>
-            <a:pPr marL="285750" indent="-285750" algn="l">
-              <a:buFont typeface="Arial" panose="020B0604020202020204" pitchFamily="34" charset="0"/>
-              <a:buChar char="•"/>
-            </a:pPr>
-            <a:r>
-              <a:rPr lang="en-US" sz="2400" dirty="0">
-                <a:solidFill>
-                  <a:schemeClr val="tx1"/>
-                </a:solidFill>
-              </a:rPr>
-              <a:t>Take cache length and memory hierarchy into account.</a:t>
-            </a:r>
-          </a:p>
-          <a:p>
-            <a:pPr marL="285750" indent="-285750" algn="l">
-              <a:buFont typeface="Arial" panose="020B0604020202020204" pitchFamily="34" charset="0"/>
-              <a:buChar char="•"/>
-            </a:pPr>
-            <a:endParaRPr lang="en-US" sz="2400" dirty="0"/>
-          </a:p>
-          <a:p>
-            <a:pPr marL="285750" indent="-285750" algn="l">
-              <a:buFont typeface="Arial" panose="020B0604020202020204" pitchFamily="34" charset="0"/>
-              <a:buChar char="•"/>
-            </a:pPr>
-            <a:endParaRPr lang="en-US" sz="2400" dirty="0"/>
-          </a:p>
-          <a:p>
-            <a:pPr marL="285750" indent="-285750" algn="l">
-              <a:buFont typeface="Arial" panose="020B0604020202020204" pitchFamily="34" charset="0"/>
-              <a:buChar char="•"/>
-            </a:pPr>
-            <a:endParaRPr lang="en-US" sz="2400" dirty="0"/>
-          </a:p>
-          <a:p>
-            <a:pPr algn="l"/>
-            <a:endParaRPr lang="en-US" sz="2400" dirty="0"/>
-          </a:p>
-        </p:txBody>
-      </p:sp>
+      </p:pic>
     </p:spTree>
     <p:extLst>
       <p:ext uri="{BB962C8B-B14F-4D97-AF65-F5344CB8AC3E}">
-        <p14:creationId xmlns:p14="http://schemas.microsoft.com/office/powerpoint/2010/main" val="1248232333"/>
+        <p14:creationId xmlns:p14="http://schemas.microsoft.com/office/powerpoint/2010/main" val="1270670600"/>
       </p:ext>
     </p:extLst>
   </p:cSld>
@@ -7866,7 +8324,7 @@
           <p:cNvPr id="2" name="Title 1">
             <a:extLst>
               <a:ext uri="{FF2B5EF4-FFF2-40B4-BE49-F238E27FC236}">
-                <a16:creationId xmlns:a16="http://schemas.microsoft.com/office/drawing/2014/main" id="{31BAA6B3-DABC-F938-BCBC-C2B31CA38385}"/>
+                <a16:creationId xmlns:a16="http://schemas.microsoft.com/office/drawing/2014/main" id="{1ABB9434-BF8F-7920-B734-004D4E86EA6F}"/>
               </a:ext>
             </a:extLst>
           </p:cNvPr>
@@ -7874,27 +8332,77 @@
             <a:spLocks noGrp="1"/>
           </p:cNvSpPr>
           <p:nvPr>
-            <p:ph type="ctrTitle"/>
-          </p:nvPr>
-        </p:nvSpPr>
-        <p:spPr/>
-        <p:txBody>
-          <a:bodyPr/>
-          <a:lstStyle/>
-          <a:p>
-            <a:r>
-              <a:rPr lang="en-US" dirty="0"/>
-              <a:t>Thank you</a:t>
-            </a:r>
-          </a:p>
-        </p:txBody>
-      </p:sp>
-      <p:sp>
-        <p:nvSpPr>
-          <p:cNvPr id="3" name="Subtitle 2">
+            <p:ph type="title"/>
+          </p:nvPr>
+        </p:nvSpPr>
+        <p:spPr>
+          <a:xfrm>
+            <a:off x="98322" y="2695370"/>
+            <a:ext cx="9684775" cy="2102772"/>
+          </a:xfrm>
+        </p:spPr>
+        <p:txBody>
+          <a:bodyPr>
+            <a:normAutofit/>
+          </a:bodyPr>
+          <a:lstStyle/>
+          <a:p>
+            <a:pPr algn="ctr"/>
+            <a:r>
+              <a:rPr lang="en-US" dirty="0">
+                <a:ln w="0"/>
+                <a:solidFill>
+                  <a:schemeClr val="accent1"/>
+                </a:solidFill>
+                <a:effectLst>
+                  <a:outerShdw blurRad="38100" dist="25400" dir="5400000" algn="ctr" rotWithShape="0">
+                    <a:srgbClr val="6E747A">
+                      <a:alpha val="43000"/>
+                    </a:srgbClr>
+                  </a:outerShdw>
+                </a:effectLst>
+              </a:rPr>
+              <a:t>Efficient implementation of image processing algorithm on ARM v8 processor</a:t>
+            </a:r>
+          </a:p>
+        </p:txBody>
+      </p:sp>
+    </p:spTree>
+    <p:extLst>
+      <p:ext uri="{BB962C8B-B14F-4D97-AF65-F5344CB8AC3E}">
+        <p14:creationId xmlns:p14="http://schemas.microsoft.com/office/powerpoint/2010/main" val="1736362778"/>
+      </p:ext>
+    </p:extLst>
+  </p:cSld>
+  <p:clrMapOvr>
+    <a:masterClrMapping/>
+  </p:clrMapOvr>
+</p:sld>
+</file>
+
+<file path=ppt/slides/slide9.xml><?xml version="1.0" encoding="utf-8"?>
+<p:sld xmlns:a="http://schemas.openxmlformats.org/drawingml/2006/main" xmlns:r="http://schemas.openxmlformats.org/officeDocument/2006/relationships" xmlns:p="http://schemas.openxmlformats.org/presentationml/2006/main">
+  <p:cSld>
+    <p:spTree>
+      <p:nvGrpSpPr>
+        <p:cNvPr id="1" name=""/>
+        <p:cNvGrpSpPr/>
+        <p:nvPr/>
+      </p:nvGrpSpPr>
+      <p:grpSpPr>
+        <a:xfrm>
+          <a:off x="0" y="0"/>
+          <a:ext cx="0" cy="0"/>
+          <a:chOff x="0" y="0"/>
+          <a:chExt cx="0" cy="0"/>
+        </a:xfrm>
+      </p:grpSpPr>
+      <p:sp>
+        <p:nvSpPr>
+          <p:cNvPr id="2" name="Title 1">
             <a:extLst>
               <a:ext uri="{FF2B5EF4-FFF2-40B4-BE49-F238E27FC236}">
-                <a16:creationId xmlns:a16="http://schemas.microsoft.com/office/drawing/2014/main" id="{64D612CB-3C25-4ED9-A0A8-ECB4A337B0DD}"/>
+                <a16:creationId xmlns:a16="http://schemas.microsoft.com/office/drawing/2014/main" id="{BCABB78B-D1C3-DEC5-302F-87C97361349D}"/>
               </a:ext>
             </a:extLst>
           </p:cNvPr>
@@ -7902,10 +8410,15 @@
             <a:spLocks noGrp="1"/>
           </p:cNvSpPr>
           <p:nvPr>
-            <p:ph type="subTitle" idx="1"/>
-          </p:nvPr>
-        </p:nvSpPr>
-        <p:spPr/>
+            <p:ph type="title"/>
+          </p:nvPr>
+        </p:nvSpPr>
+        <p:spPr>
+          <a:xfrm>
+            <a:off x="598675" y="218016"/>
+            <a:ext cx="3854528" cy="1278466"/>
+          </a:xfrm>
+        </p:spPr>
         <p:txBody>
           <a:bodyPr>
             <a:normAutofit/>
@@ -7913,22 +8426,121 @@
           <a:lstStyle/>
           <a:p>
             <a:r>
+              <a:rPr lang="en-US" sz="3600" dirty="0"/>
+              <a:t>Target Device </a:t>
+            </a:r>
+          </a:p>
+        </p:txBody>
+      </p:sp>
+      <p:pic>
+        <p:nvPicPr>
+          <p:cNvPr id="6" name="Content Placeholder 5" descr="Calendar&#10;&#10;Description automatically generated with medium confidence">
+            <a:extLst>
+              <a:ext uri="{FF2B5EF4-FFF2-40B4-BE49-F238E27FC236}">
+                <a16:creationId xmlns:a16="http://schemas.microsoft.com/office/drawing/2014/main" id="{0110114D-97BB-EAFF-DAE5-0C4D0C71DD0A}"/>
+              </a:ext>
+            </a:extLst>
+          </p:cNvPr>
+          <p:cNvPicPr>
+            <a:picLocks noGrp="1" noChangeAspect="1"/>
+          </p:cNvPicPr>
+          <p:nvPr>
+            <p:ph idx="1"/>
+          </p:nvPr>
+        </p:nvPicPr>
+        <p:blipFill>
+          <a:blip r:embed="rId2">
+            <a:extLst>
+              <a:ext uri="{28A0092B-C50C-407E-A947-70E740481C1C}">
+                <a14:useLocalDpi xmlns:a14="http://schemas.microsoft.com/office/drawing/2010/main" val="0"/>
+              </a:ext>
+            </a:extLst>
+          </a:blip>
+          <a:stretch>
+            <a:fillRect/>
+          </a:stretch>
+        </p:blipFill>
+        <p:spPr>
+          <a:xfrm>
+            <a:off x="6190089" y="2604539"/>
+            <a:ext cx="5677445" cy="4056218"/>
+          </a:xfrm>
+        </p:spPr>
+      </p:pic>
+      <p:sp>
+        <p:nvSpPr>
+          <p:cNvPr id="4" name="Text Placeholder 3">
+            <a:extLst>
+              <a:ext uri="{FF2B5EF4-FFF2-40B4-BE49-F238E27FC236}">
+                <a16:creationId xmlns:a16="http://schemas.microsoft.com/office/drawing/2014/main" id="{C078657D-80F4-F806-AB91-1BA7EC3CD8DF}"/>
+              </a:ext>
+            </a:extLst>
+          </p:cNvPr>
+          <p:cNvSpPr>
+            <a:spLocks noGrp="1"/>
+          </p:cNvSpPr>
+          <p:nvPr>
+            <p:ph type="body" sz="half" idx="2"/>
+          </p:nvPr>
+        </p:nvSpPr>
+        <p:spPr>
+          <a:xfrm>
+            <a:off x="677334" y="2604539"/>
+            <a:ext cx="5113866" cy="2756979"/>
+          </a:xfrm>
+        </p:spPr>
+        <p:txBody>
+          <a:bodyPr>
+            <a:normAutofit fontScale="92500" lnSpcReduction="10000"/>
+          </a:bodyPr>
+          <a:lstStyle/>
+          <a:p>
+            <a:r>
+              <a:rPr lang="en-US" sz="2400" u="sng" dirty="0"/>
+              <a:t>Single board computer model </a:t>
+            </a:r>
+            <a:r>
               <a:rPr lang="en-US" sz="2400" dirty="0"/>
-              <a:t>Umesh Deshmukh</a:t>
+              <a:t>- Raspberry Pi 400</a:t>
+            </a:r>
+          </a:p>
+          <a:p>
+            <a:r>
+              <a:rPr lang="en-US" sz="2400" u="sng" dirty="0"/>
+              <a:t>SoC specifications- </a:t>
             </a:r>
           </a:p>
           <a:p>
             <a:r>
               <a:rPr lang="en-US" sz="2400" dirty="0"/>
-              <a:t>umeshdeshmukh2024@gmail.com</a:t>
-            </a:r>
+              <a:t>Broadcom BCM2711 quad-core Cortex-A72 </a:t>
+            </a:r>
+          </a:p>
+          <a:p>
+            <a:r>
+              <a:rPr lang="en-US" sz="2400" dirty="0"/>
+              <a:t>(ARM v8) 64-bit SoC @ 1.8GHz</a:t>
+            </a:r>
+          </a:p>
+          <a:p>
+            <a:r>
+              <a:rPr lang="en-US" sz="2400" u="sng" dirty="0"/>
+              <a:t>Memory</a:t>
+            </a:r>
+            <a:r>
+              <a:rPr lang="en-US" sz="2400" dirty="0"/>
+              <a:t>- 4GB LPDDR4-3200</a:t>
+            </a:r>
+          </a:p>
+          <a:p>
+            <a:endParaRPr lang="en-US" dirty="0"/>
           </a:p>
         </p:txBody>
       </p:sp>
     </p:spTree>
     <p:extLst>
       <p:ext uri="{BB962C8B-B14F-4D97-AF65-F5344CB8AC3E}">
-        <p14:creationId xmlns:p14="http://schemas.microsoft.com/office/powerpoint/2010/main" val="1499635155"/>
+        <p14:creationId xmlns:p14="http://schemas.microsoft.com/office/powerpoint/2010/main" val="132676699"/>
       </p:ext>
     </p:extLst>
   </p:cSld>

--- a/Presentation_E.pptx
+++ b/Presentation_E.pptx
@@ -7,19 +7,20 @@
   <p:sldIdLst>
     <p:sldId id="266" r:id="rId2"/>
     <p:sldId id="267" r:id="rId3"/>
-    <p:sldId id="268" r:id="rId4"/>
-    <p:sldId id="269" r:id="rId5"/>
-    <p:sldId id="270" r:id="rId6"/>
-    <p:sldId id="271" r:id="rId7"/>
-    <p:sldId id="272" r:id="rId8"/>
+    <p:sldId id="272" r:id="rId4"/>
+    <p:sldId id="268" r:id="rId5"/>
+    <p:sldId id="269" r:id="rId6"/>
+    <p:sldId id="270" r:id="rId7"/>
+    <p:sldId id="271" r:id="rId8"/>
     <p:sldId id="258" r:id="rId9"/>
     <p:sldId id="259" r:id="rId10"/>
     <p:sldId id="260" r:id="rId11"/>
-    <p:sldId id="261" r:id="rId12"/>
-    <p:sldId id="262" r:id="rId13"/>
+    <p:sldId id="273" r:id="rId12"/>
+    <p:sldId id="261" r:id="rId13"/>
     <p:sldId id="263" r:id="rId14"/>
-    <p:sldId id="264" r:id="rId15"/>
-    <p:sldId id="265" r:id="rId16"/>
+    <p:sldId id="262" r:id="rId15"/>
+    <p:sldId id="264" r:id="rId16"/>
+    <p:sldId id="265" r:id="rId17"/>
   </p:sldIdLst>
   <p:sldSz cx="12192000" cy="6858000"/>
   <p:notesSz cx="6858000" cy="9144000"/>
@@ -118,6 +119,11 @@
       </a:defRPr>
     </a:lvl9pPr>
   </p:defaultTextStyle>
+  <p:extLst>
+    <p:ext uri="{EFAFB233-063F-42B5-8137-9DF3F51BA10A}">
+      <p15:sldGuideLst xmlns:p15="http://schemas.microsoft.com/office/powerpoint/2012/main"/>
+    </p:ext>
+  </p:extLst>
 </p:presentation>
 </file>
 
@@ -6957,17 +6963,17 @@
         <p:spPr>
           <a:xfrm>
             <a:off x="705739" y="318733"/>
-            <a:ext cx="3826123" cy="1177749"/>
+            <a:ext cx="4878984" cy="1177749"/>
           </a:xfrm>
         </p:spPr>
         <p:txBody>
           <a:bodyPr>
-            <a:normAutofit/>
+            <a:noAutofit/>
           </a:bodyPr>
           <a:lstStyle/>
           <a:p>
             <a:r>
-              <a:rPr lang="en-US" sz="2800" dirty="0"/>
+              <a:rPr lang="en-US" sz="3600" dirty="0"/>
               <a:t>SoC Block Diagram</a:t>
             </a:r>
           </a:p>
@@ -7003,11 +7009,46 @@
         </p:blipFill>
         <p:spPr>
           <a:xfrm>
-            <a:off x="2097830" y="2006617"/>
-            <a:ext cx="6914792" cy="3674938"/>
+            <a:off x="1137956" y="1496482"/>
+            <a:ext cx="7874666" cy="4185073"/>
           </a:xfrm>
         </p:spPr>
       </p:pic>
+      <p:sp>
+        <p:nvSpPr>
+          <p:cNvPr id="4" name="TextBox 3">
+            <a:extLst>
+              <a:ext uri="{FF2B5EF4-FFF2-40B4-BE49-F238E27FC236}">
+                <a16:creationId xmlns:a16="http://schemas.microsoft.com/office/drawing/2014/main" id="{79601540-807E-ACB5-A786-4BC5FEE9024E}"/>
+              </a:ext>
+            </a:extLst>
+          </p:cNvPr>
+          <p:cNvSpPr txBox="1"/>
+          <p:nvPr/>
+        </p:nvSpPr>
+        <p:spPr>
+          <a:xfrm>
+            <a:off x="1317523" y="5868524"/>
+            <a:ext cx="10491019" cy="307777"/>
+          </a:xfrm>
+          <a:prstGeom prst="rect">
+            <a:avLst/>
+          </a:prstGeom>
+          <a:noFill/>
+        </p:spPr>
+        <p:txBody>
+          <a:bodyPr wrap="square">
+            <a:spAutoFit/>
+          </a:bodyPr>
+          <a:lstStyle/>
+          <a:p>
+            <a:r>
+              <a:rPr lang="en-US" sz="1400" dirty="0"/>
+              <a:t>Image source: Modern Arm Assembly Language Programming Covers Armv8-A 32-bit, 64-bit, and SIMD</a:t>
+            </a:r>
+          </a:p>
+        </p:txBody>
+      </p:sp>
     </p:spTree>
     <p:extLst>
       <p:ext uri="{BB962C8B-B14F-4D97-AF65-F5344CB8AC3E}">
@@ -7043,7 +7084,7 @@
           <p:cNvPr id="2" name="Title 1">
             <a:extLst>
               <a:ext uri="{FF2B5EF4-FFF2-40B4-BE49-F238E27FC236}">
-                <a16:creationId xmlns:a16="http://schemas.microsoft.com/office/drawing/2014/main" id="{8D4A6C62-9327-4B7D-E897-A2BE633D1FAD}"/>
+                <a16:creationId xmlns:a16="http://schemas.microsoft.com/office/drawing/2014/main" id="{FA95A32E-5440-1EA5-5257-03E369F2BAD0}"/>
               </a:ext>
             </a:extLst>
           </p:cNvPr>
@@ -7051,170 +7092,108 @@
             <a:spLocks noGrp="1"/>
           </p:cNvSpPr>
           <p:nvPr>
-            <p:ph type="ctrTitle"/>
+            <p:ph type="title"/>
           </p:nvPr>
         </p:nvSpPr>
         <p:spPr>
           <a:xfrm>
-            <a:off x="1507066" y="1149883"/>
-            <a:ext cx="5188701" cy="639587"/>
+            <a:off x="677334" y="609598"/>
+            <a:ext cx="8596668" cy="678427"/>
           </a:xfrm>
         </p:spPr>
         <p:txBody>
-          <a:bodyPr/>
-          <a:lstStyle/>
-          <a:p>
-            <a:r>
-              <a:rPr lang="en-US" sz="3600" dirty="0"/>
-              <a:t>RGB to Gray conversion</a:t>
-            </a:r>
-          </a:p>
-        </p:txBody>
-      </p:sp>
-      <p:sp>
-        <p:nvSpPr>
-          <p:cNvPr id="3" name="Subtitle 2">
+          <a:bodyPr>
+            <a:normAutofit/>
+          </a:bodyPr>
+          <a:lstStyle/>
+          <a:p>
+            <a:r>
+              <a:rPr lang="en-US" dirty="0"/>
+              <a:t>Reference Book</a:t>
+            </a:r>
+          </a:p>
+        </p:txBody>
+      </p:sp>
+      <p:pic>
+        <p:nvPicPr>
+          <p:cNvPr id="5" name="Content Placeholder 4" descr="Text&#10;&#10;Description automatically generated">
             <a:extLst>
               <a:ext uri="{FF2B5EF4-FFF2-40B4-BE49-F238E27FC236}">
-                <a16:creationId xmlns:a16="http://schemas.microsoft.com/office/drawing/2014/main" id="{B9233905-AB64-2196-6848-7F91FA4F553E}"/>
+                <a16:creationId xmlns:a16="http://schemas.microsoft.com/office/drawing/2014/main" id="{C26A5F80-D3B0-452E-5BED-AE943DD35701}"/>
               </a:ext>
             </a:extLst>
           </p:cNvPr>
-          <p:cNvSpPr>
-            <a:spLocks noGrp="1"/>
-          </p:cNvSpPr>
-          <p:nvPr>
-            <p:ph type="subTitle" idx="1"/>
-          </p:nvPr>
-        </p:nvSpPr>
+          <p:cNvPicPr>
+            <a:picLocks noGrp="1" noChangeAspect="1"/>
+          </p:cNvPicPr>
+          <p:nvPr>
+            <p:ph idx="1"/>
+          </p:nvPr>
+        </p:nvPicPr>
+        <p:blipFill>
+          <a:blip r:embed="rId2">
+            <a:extLst>
+              <a:ext uri="{28A0092B-C50C-407E-A947-70E740481C1C}">
+                <a14:useLocalDpi xmlns:a14="http://schemas.microsoft.com/office/drawing/2010/main" val="0"/>
+              </a:ext>
+            </a:extLst>
+          </a:blip>
+          <a:stretch>
+            <a:fillRect/>
+          </a:stretch>
+        </p:blipFill>
         <p:spPr>
           <a:xfrm>
-            <a:off x="1337187" y="2743201"/>
-            <a:ext cx="7936816" cy="2404532"/>
+            <a:off x="3112455" y="1563329"/>
+            <a:ext cx="3726425" cy="5323466"/>
           </a:xfrm>
         </p:spPr>
-        <p:txBody>
-          <a:bodyPr/>
-          <a:lstStyle/>
-          <a:p>
-            <a:pPr marL="285750" indent="-285750" algn="l">
-              <a:buFont typeface="Arial" panose="020B0604020202020204" pitchFamily="34" charset="0"/>
-              <a:buChar char="•"/>
-            </a:pPr>
-            <a:r>
-              <a:rPr lang="en-US" sz="2400" dirty="0">
-                <a:solidFill>
-                  <a:schemeClr val="tx1"/>
-                </a:solidFill>
-              </a:rPr>
-              <a:t>Relatively simple operation</a:t>
-            </a:r>
-          </a:p>
-          <a:p>
-            <a:pPr marL="285750" indent="-285750" algn="l">
-              <a:buFont typeface="Arial" panose="020B0604020202020204" pitchFamily="34" charset="0"/>
-              <a:buChar char="•"/>
-            </a:pPr>
-            <a:r>
-              <a:rPr lang="en-US" sz="2400" dirty="0">
-                <a:solidFill>
-                  <a:schemeClr val="tx1"/>
-                </a:solidFill>
-              </a:rPr>
-              <a:t>Formula</a:t>
-            </a:r>
-          </a:p>
-          <a:p>
-            <a:pPr algn="l"/>
-            <a:r>
-              <a:rPr lang="en-US" sz="2400" dirty="0">
-                <a:solidFill>
-                  <a:schemeClr val="tx1"/>
-                </a:solidFill>
-              </a:rPr>
-              <a:t>    Gray value = </a:t>
-            </a:r>
-            <a:r>
-              <a:rPr lang="pt-BR" sz="2400" dirty="0">
-                <a:solidFill>
-                  <a:schemeClr val="tx1"/>
-                </a:solidFill>
-              </a:rPr>
-              <a:t>(</a:t>
-            </a:r>
-            <a:r>
-              <a:rPr lang="pt-BR" sz="2400" dirty="0">
-                <a:solidFill>
-                  <a:srgbClr val="FF0000"/>
-                </a:solidFill>
-              </a:rPr>
-              <a:t>R</a:t>
-            </a:r>
-            <a:r>
-              <a:rPr lang="pt-BR" sz="2400" dirty="0">
-                <a:solidFill>
-                  <a:schemeClr val="tx1"/>
-                </a:solidFill>
-              </a:rPr>
-              <a:t> *0.2126f + </a:t>
-            </a:r>
-            <a:r>
-              <a:rPr lang="pt-BR" sz="2400" dirty="0">
-                <a:solidFill>
-                  <a:srgbClr val="00B050"/>
-                </a:solidFill>
-              </a:rPr>
-              <a:t>G</a:t>
-            </a:r>
-            <a:r>
-              <a:rPr lang="pt-BR" sz="2400" dirty="0">
-                <a:solidFill>
-                  <a:schemeClr val="tx1"/>
-                </a:solidFill>
-              </a:rPr>
-              <a:t> *0.7152f + </a:t>
-            </a:r>
-            <a:r>
-              <a:rPr lang="pt-BR" sz="2400" dirty="0">
-                <a:solidFill>
-                  <a:srgbClr val="0070C0"/>
-                </a:solidFill>
-              </a:rPr>
-              <a:t>B</a:t>
-            </a:r>
-            <a:r>
-              <a:rPr lang="pt-BR" sz="2400" dirty="0">
-                <a:solidFill>
-                  <a:schemeClr val="tx1"/>
-                </a:solidFill>
-              </a:rPr>
-              <a:t> *0.0722f)</a:t>
-            </a:r>
-          </a:p>
-          <a:p>
-            <a:pPr algn="l"/>
-            <a:r>
-              <a:rPr lang="pt-BR" sz="2400" dirty="0">
-                <a:solidFill>
-                  <a:schemeClr val="tx1"/>
-                </a:solidFill>
-              </a:rPr>
-              <a:t>    R, G, B are Red, Green, and Blue Channel values.</a:t>
-            </a:r>
-          </a:p>
-          <a:p>
-            <a:pPr algn="l"/>
-            <a:endParaRPr lang="en-US" dirty="0"/>
-          </a:p>
-          <a:p>
-            <a:endParaRPr lang="en-US" dirty="0"/>
+      </p:pic>
+      <p:sp>
+        <p:nvSpPr>
+          <p:cNvPr id="6" name="TextBox 5">
+            <a:extLst>
+              <a:ext uri="{FF2B5EF4-FFF2-40B4-BE49-F238E27FC236}">
+                <a16:creationId xmlns:a16="http://schemas.microsoft.com/office/drawing/2014/main" id="{D1F38EEA-A7CD-2BA8-FDBF-BE71D7B7A6DF}"/>
+              </a:ext>
+            </a:extLst>
+          </p:cNvPr>
+          <p:cNvSpPr txBox="1"/>
+          <p:nvPr/>
+        </p:nvSpPr>
+        <p:spPr>
+          <a:xfrm>
+            <a:off x="6971071" y="6248402"/>
+            <a:ext cx="5220929" cy="523220"/>
+          </a:xfrm>
+          <a:prstGeom prst="rect">
+            <a:avLst/>
+          </a:prstGeom>
+          <a:noFill/>
+        </p:spPr>
+        <p:txBody>
+          <a:bodyPr wrap="square" rtlCol="0">
+            <a:spAutoFit/>
+          </a:bodyPr>
+          <a:lstStyle/>
+          <a:p>
+            <a:r>
+              <a:rPr lang="en-US" sz="1400" dirty="0"/>
+              <a:t>Book link:</a:t>
+            </a:r>
+          </a:p>
+          <a:p>
+            <a:r>
+              <a:rPr lang="en-US" sz="1400" dirty="0"/>
+              <a:t> https://link.springer.com/book/10.1007/978-1-4842-6267-2</a:t>
+            </a:r>
           </a:p>
         </p:txBody>
       </p:sp>
     </p:spTree>
     <p:extLst>
       <p:ext uri="{BB962C8B-B14F-4D97-AF65-F5344CB8AC3E}">
-        <p14:creationId xmlns:p14="http://schemas.microsoft.com/office/powerpoint/2010/main" val="2658355762"/>
+        <p14:creationId xmlns:p14="http://schemas.microsoft.com/office/powerpoint/2010/main" val="2551486718"/>
       </p:ext>
     </p:extLst>
   </p:cSld>
@@ -7246,7 +7225,7 @@
           <p:cNvPr id="2" name="Title 1">
             <a:extLst>
               <a:ext uri="{FF2B5EF4-FFF2-40B4-BE49-F238E27FC236}">
-                <a16:creationId xmlns:a16="http://schemas.microsoft.com/office/drawing/2014/main" id="{F0E6B53E-21F8-D0E8-8E1F-2609424C76A5}"/>
+                <a16:creationId xmlns:a16="http://schemas.microsoft.com/office/drawing/2014/main" id="{8D4A6C62-9327-4B7D-E897-A2BE633D1FAD}"/>
               </a:ext>
             </a:extLst>
           </p:cNvPr>
@@ -7254,104 +7233,170 @@
             <a:spLocks noGrp="1"/>
           </p:cNvSpPr>
           <p:nvPr>
-            <p:ph type="title"/>
+            <p:ph type="ctrTitle"/>
           </p:nvPr>
         </p:nvSpPr>
         <p:spPr>
           <a:xfrm>
-            <a:off x="196645" y="218016"/>
-            <a:ext cx="4335217" cy="1278466"/>
+            <a:off x="1507066" y="1149883"/>
+            <a:ext cx="5188701" cy="639587"/>
           </a:xfrm>
         </p:spPr>
         <p:txBody>
-          <a:bodyPr>
-            <a:normAutofit/>
-          </a:bodyPr>
+          <a:bodyPr/>
           <a:lstStyle/>
           <a:p>
             <a:r>
               <a:rPr lang="en-US" sz="3600" dirty="0"/>
-              <a:t>Performance comparison</a:t>
-            </a:r>
-          </a:p>
-        </p:txBody>
-      </p:sp>
-      <p:graphicFrame>
-        <p:nvGraphicFramePr>
-          <p:cNvPr id="8" name="Content Placeholder 7">
+              <a:t>RGB to Gray conversion</a:t>
+            </a:r>
+          </a:p>
+        </p:txBody>
+      </p:sp>
+      <p:sp>
+        <p:nvSpPr>
+          <p:cNvPr id="3" name="Subtitle 2">
             <a:extLst>
               <a:ext uri="{FF2B5EF4-FFF2-40B4-BE49-F238E27FC236}">
-                <a16:creationId xmlns:a16="http://schemas.microsoft.com/office/drawing/2014/main" id="{D2250892-2A0E-96C0-F9BB-27B217163FCB}"/>
+                <a16:creationId xmlns:a16="http://schemas.microsoft.com/office/drawing/2014/main" id="{B9233905-AB64-2196-6848-7F91FA4F553E}"/>
               </a:ext>
             </a:extLst>
           </p:cNvPr>
-          <p:cNvGraphicFramePr>
-            <a:graphicFrameLocks noGrp="1"/>
-          </p:cNvGraphicFramePr>
-          <p:nvPr>
-            <p:ph idx="1"/>
-            <p:extLst>
-              <p:ext uri="{D42A27DB-BD31-4B8C-83A1-F6EECF244321}">
-                <p14:modId xmlns:p14="http://schemas.microsoft.com/office/powerpoint/2010/main" val="148909477"/>
-              </p:ext>
-            </p:extLst>
-          </p:nvPr>
-        </p:nvGraphicFramePr>
-        <p:xfrm>
-          <a:off x="4760913" y="514350"/>
-          <a:ext cx="4513262" cy="5527675"/>
-        </p:xfrm>
-        <a:graphic>
-          <a:graphicData uri="http://schemas.openxmlformats.org/drawingml/2006/chart">
-            <c:chart xmlns:c="http://schemas.openxmlformats.org/drawingml/2006/chart" xmlns:r="http://schemas.openxmlformats.org/officeDocument/2006/relationships" r:id="rId2"/>
-          </a:graphicData>
-        </a:graphic>
-      </p:graphicFrame>
-      <p:sp>
-        <p:nvSpPr>
-          <p:cNvPr id="4" name="Text Placeholder 3">
-            <a:extLst>
-              <a:ext uri="{FF2B5EF4-FFF2-40B4-BE49-F238E27FC236}">
-                <a16:creationId xmlns:a16="http://schemas.microsoft.com/office/drawing/2014/main" id="{9FB0A756-8EB2-2A6F-5076-9703E5D50A8E}"/>
-              </a:ext>
-            </a:extLst>
-          </p:cNvPr>
-          <p:cNvSpPr>
-            <a:spLocks noGrp="1"/>
-          </p:cNvSpPr>
-          <p:nvPr>
-            <p:ph type="body" sz="half" idx="2"/>
+          <p:cNvSpPr>
+            <a:spLocks noGrp="1"/>
+          </p:cNvSpPr>
+          <p:nvPr>
+            <p:ph type="subTitle" idx="1"/>
           </p:nvPr>
         </p:nvSpPr>
         <p:spPr>
           <a:xfrm>
-            <a:off x="127819" y="2777070"/>
-            <a:ext cx="4633093" cy="1667112"/>
+            <a:off x="1337186" y="2743201"/>
+            <a:ext cx="9173497" cy="2404532"/>
           </a:xfrm>
         </p:spPr>
         <p:txBody>
-          <a:bodyPr>
-            <a:normAutofit fontScale="92500"/>
-          </a:bodyPr>
-          <a:lstStyle/>
-          <a:p>
-            <a:r>
-              <a:rPr lang="en-US" sz="2400" dirty="0"/>
-              <a:t>Maximum speed up achieved for a scalar implementation with thread level parallelism with 4 threads.</a:t>
-            </a:r>
-          </a:p>
-          <a:p>
-            <a:r>
-              <a:rPr lang="en-US" dirty="0"/>
-              <a:t> </a:t>
-            </a:r>
+          <a:bodyPr/>
+          <a:lstStyle/>
+          <a:p>
+            <a:pPr marL="285750" indent="-285750" algn="l">
+              <a:buFont typeface="Arial" panose="020B0604020202020204" pitchFamily="34" charset="0"/>
+              <a:buChar char="•"/>
+            </a:pPr>
+            <a:r>
+              <a:rPr lang="en-US" sz="2400" dirty="0">
+                <a:solidFill>
+                  <a:schemeClr val="tx1"/>
+                </a:solidFill>
+              </a:rPr>
+              <a:t>Relatively simple operation</a:t>
+            </a:r>
+          </a:p>
+          <a:p>
+            <a:pPr marL="285750" indent="-285750" algn="l">
+              <a:buFont typeface="Arial" panose="020B0604020202020204" pitchFamily="34" charset="0"/>
+              <a:buChar char="•"/>
+            </a:pPr>
+            <a:r>
+              <a:rPr lang="en-US" sz="2400" dirty="0">
+                <a:solidFill>
+                  <a:schemeClr val="tx1"/>
+                </a:solidFill>
+              </a:rPr>
+              <a:t>Formula</a:t>
+            </a:r>
+          </a:p>
+          <a:p>
+            <a:pPr algn="l"/>
+            <a:r>
+              <a:rPr lang="en-US" sz="2400" dirty="0">
+                <a:solidFill>
+                  <a:schemeClr val="tx1"/>
+                </a:solidFill>
+              </a:rPr>
+              <a:t>    Gray value = </a:t>
+            </a:r>
+            <a:r>
+              <a:rPr lang="pt-BR" sz="2400" dirty="0">
+                <a:solidFill>
+                  <a:schemeClr val="tx1"/>
+                </a:solidFill>
+              </a:rPr>
+              <a:t>(</a:t>
+            </a:r>
+            <a:r>
+              <a:rPr lang="pt-BR" sz="2400" dirty="0">
+                <a:solidFill>
+                  <a:srgbClr val="FF0000"/>
+                </a:solidFill>
+              </a:rPr>
+              <a:t>R</a:t>
+            </a:r>
+            <a:r>
+              <a:rPr lang="pt-BR" sz="2400" dirty="0">
+                <a:solidFill>
+                  <a:schemeClr val="tx1"/>
+                </a:solidFill>
+              </a:rPr>
+              <a:t> *0.2126f + </a:t>
+            </a:r>
+            <a:r>
+              <a:rPr lang="pt-BR" sz="2400" dirty="0">
+                <a:solidFill>
+                  <a:srgbClr val="00B050"/>
+                </a:solidFill>
+              </a:rPr>
+              <a:t>G</a:t>
+            </a:r>
+            <a:r>
+              <a:rPr lang="pt-BR" sz="2400" dirty="0">
+                <a:solidFill>
+                  <a:schemeClr val="tx1"/>
+                </a:solidFill>
+              </a:rPr>
+              <a:t> *0.7152f + </a:t>
+            </a:r>
+            <a:r>
+              <a:rPr lang="pt-BR" sz="2400" dirty="0">
+                <a:solidFill>
+                  <a:srgbClr val="0070C0"/>
+                </a:solidFill>
+              </a:rPr>
+              <a:t>B</a:t>
+            </a:r>
+            <a:r>
+              <a:rPr lang="pt-BR" sz="2400" dirty="0">
+                <a:solidFill>
+                  <a:schemeClr val="tx1"/>
+                </a:solidFill>
+              </a:rPr>
+              <a:t> *0.0722f)</a:t>
+            </a:r>
+          </a:p>
+          <a:p>
+            <a:pPr algn="l"/>
+            <a:r>
+              <a:rPr lang="pt-BR" sz="2400" dirty="0">
+                <a:solidFill>
+                  <a:schemeClr val="tx1"/>
+                </a:solidFill>
+              </a:rPr>
+              <a:t>    R, G, B are Red, Green, and Blue Channel values respectively.</a:t>
+            </a:r>
+          </a:p>
+          <a:p>
+            <a:pPr algn="l"/>
+            <a:endParaRPr lang="en-US" dirty="0"/>
+          </a:p>
+          <a:p>
+            <a:endParaRPr lang="en-US" dirty="0"/>
           </a:p>
         </p:txBody>
       </p:sp>
     </p:spTree>
     <p:extLst>
       <p:ext uri="{BB962C8B-B14F-4D97-AF65-F5344CB8AC3E}">
-        <p14:creationId xmlns:p14="http://schemas.microsoft.com/office/powerpoint/2010/main" val="595420048"/>
+        <p14:creationId xmlns:p14="http://schemas.microsoft.com/office/powerpoint/2010/main" val="2658355762"/>
       </p:ext>
     </p:extLst>
   </p:cSld>
@@ -7484,7 +7529,7 @@
             </a:r>
             <a:r>
               <a:rPr lang="en-US" sz="2400" dirty="0"/>
-              <a:t>Taking advantage of multicore SoC with different no. of threads from 2 to 32.</a:t>
+              <a:t>Taking advantage of multicore SoC with different no. of thread configurations from 2 to 32.</a:t>
             </a:r>
           </a:p>
           <a:p>
@@ -7530,6 +7575,143 @@
           <p:cNvPr id="2" name="Title 1">
             <a:extLst>
               <a:ext uri="{FF2B5EF4-FFF2-40B4-BE49-F238E27FC236}">
+                <a16:creationId xmlns:a16="http://schemas.microsoft.com/office/drawing/2014/main" id="{F0E6B53E-21F8-D0E8-8E1F-2609424C76A5}"/>
+              </a:ext>
+            </a:extLst>
+          </p:cNvPr>
+          <p:cNvSpPr>
+            <a:spLocks noGrp="1"/>
+          </p:cNvSpPr>
+          <p:nvPr>
+            <p:ph type="title"/>
+          </p:nvPr>
+        </p:nvSpPr>
+        <p:spPr>
+          <a:xfrm>
+            <a:off x="196645" y="218016"/>
+            <a:ext cx="4335217" cy="1278466"/>
+          </a:xfrm>
+        </p:spPr>
+        <p:txBody>
+          <a:bodyPr>
+            <a:normAutofit/>
+          </a:bodyPr>
+          <a:lstStyle/>
+          <a:p>
+            <a:r>
+              <a:rPr lang="en-US" sz="3600" dirty="0"/>
+              <a:t>Performance comparison</a:t>
+            </a:r>
+          </a:p>
+        </p:txBody>
+      </p:sp>
+      <p:graphicFrame>
+        <p:nvGraphicFramePr>
+          <p:cNvPr id="8" name="Content Placeholder 7">
+            <a:extLst>
+              <a:ext uri="{FF2B5EF4-FFF2-40B4-BE49-F238E27FC236}">
+                <a16:creationId xmlns:a16="http://schemas.microsoft.com/office/drawing/2014/main" id="{D2250892-2A0E-96C0-F9BB-27B217163FCB}"/>
+              </a:ext>
+            </a:extLst>
+          </p:cNvPr>
+          <p:cNvGraphicFramePr>
+            <a:graphicFrameLocks noGrp="1"/>
+          </p:cNvGraphicFramePr>
+          <p:nvPr>
+            <p:ph idx="1"/>
+            <p:extLst>
+              <p:ext uri="{D42A27DB-BD31-4B8C-83A1-F6EECF244321}">
+                <p14:modId xmlns:p14="http://schemas.microsoft.com/office/powerpoint/2010/main" val="148909477"/>
+              </p:ext>
+            </p:extLst>
+          </p:nvPr>
+        </p:nvGraphicFramePr>
+        <p:xfrm>
+          <a:off x="4760913" y="514350"/>
+          <a:ext cx="4513262" cy="5527675"/>
+        </p:xfrm>
+        <a:graphic>
+          <a:graphicData uri="http://schemas.openxmlformats.org/drawingml/2006/chart">
+            <c:chart xmlns:c="http://schemas.openxmlformats.org/drawingml/2006/chart" xmlns:r="http://schemas.openxmlformats.org/officeDocument/2006/relationships" r:id="rId2"/>
+          </a:graphicData>
+        </a:graphic>
+      </p:graphicFrame>
+      <p:sp>
+        <p:nvSpPr>
+          <p:cNvPr id="4" name="Text Placeholder 3">
+            <a:extLst>
+              <a:ext uri="{FF2B5EF4-FFF2-40B4-BE49-F238E27FC236}">
+                <a16:creationId xmlns:a16="http://schemas.microsoft.com/office/drawing/2014/main" id="{9FB0A756-8EB2-2A6F-5076-9703E5D50A8E}"/>
+              </a:ext>
+            </a:extLst>
+          </p:cNvPr>
+          <p:cNvSpPr>
+            <a:spLocks noGrp="1"/>
+          </p:cNvSpPr>
+          <p:nvPr>
+            <p:ph type="body" sz="half" idx="2"/>
+          </p:nvPr>
+        </p:nvSpPr>
+        <p:spPr>
+          <a:xfrm>
+            <a:off x="127819" y="2777070"/>
+            <a:ext cx="4633093" cy="1667112"/>
+          </a:xfrm>
+        </p:spPr>
+        <p:txBody>
+          <a:bodyPr>
+            <a:normAutofit fontScale="92500"/>
+          </a:bodyPr>
+          <a:lstStyle/>
+          <a:p>
+            <a:r>
+              <a:rPr lang="en-US" sz="2400" dirty="0"/>
+              <a:t>Maximum speed up achieved for a scalar implementation with thread level parallelism with 4 threads.</a:t>
+            </a:r>
+          </a:p>
+          <a:p>
+            <a:r>
+              <a:rPr lang="en-US" dirty="0"/>
+              <a:t> </a:t>
+            </a:r>
+          </a:p>
+        </p:txBody>
+      </p:sp>
+    </p:spTree>
+    <p:extLst>
+      <p:ext uri="{BB962C8B-B14F-4D97-AF65-F5344CB8AC3E}">
+        <p14:creationId xmlns:p14="http://schemas.microsoft.com/office/powerpoint/2010/main" val="595420048"/>
+      </p:ext>
+    </p:extLst>
+  </p:cSld>
+  <p:clrMapOvr>
+    <a:masterClrMapping/>
+  </p:clrMapOvr>
+</p:sld>
+</file>
+
+<file path=ppt/slides/slide15.xml><?xml version="1.0" encoding="utf-8"?>
+<p:sld xmlns:a="http://schemas.openxmlformats.org/drawingml/2006/main" xmlns:r="http://schemas.openxmlformats.org/officeDocument/2006/relationships" xmlns:p="http://schemas.openxmlformats.org/presentationml/2006/main">
+  <p:cSld>
+    <p:spTree>
+      <p:nvGrpSpPr>
+        <p:cNvPr id="1" name=""/>
+        <p:cNvGrpSpPr/>
+        <p:nvPr/>
+      </p:nvGrpSpPr>
+      <p:grpSpPr>
+        <a:xfrm>
+          <a:off x="0" y="0"/>
+          <a:ext cx="0" cy="0"/>
+          <a:chOff x="0" y="0"/>
+          <a:chExt cx="0" cy="0"/>
+        </a:xfrm>
+      </p:grpSpPr>
+      <p:sp>
+        <p:nvSpPr>
+          <p:cNvPr id="2" name="Title 1">
+            <a:extLst>
+              <a:ext uri="{FF2B5EF4-FFF2-40B4-BE49-F238E27FC236}">
                 <a16:creationId xmlns:a16="http://schemas.microsoft.com/office/drawing/2014/main" id="{A107E990-29EE-F2F2-8166-861AC58FF9C2}"/>
               </a:ext>
             </a:extLst>
@@ -7668,7 +7850,7 @@
 </p:sld>
 </file>
 
-<file path=ppt/slides/slide15.xml><?xml version="1.0" encoding="utf-8"?>
+<file path=ppt/slides/slide16.xml><?xml version="1.0" encoding="utf-8"?>
 <p:sld xmlns:a="http://schemas.openxmlformats.org/drawingml/2006/main" xmlns:r="http://schemas.openxmlformats.org/officeDocument/2006/relationships" xmlns:p="http://schemas.openxmlformats.org/presentationml/2006/main">
   <p:cSld>
     <p:spTree>
@@ -7800,7 +7982,10 @@
           <a:bodyPr/>
           <a:lstStyle/>
           <a:p>
-            <a:endParaRPr lang="en-US"/>
+            <a:r>
+              <a:rPr lang="en-US" dirty="0"/>
+              <a:t>Analyzing input signal in frequency domain</a:t>
+            </a:r>
           </a:p>
         </p:txBody>
       </p:sp>
@@ -7835,7 +8020,7 @@
         <p:spPr>
           <a:xfrm>
             <a:off x="807720" y="2160588"/>
-            <a:ext cx="7852092" cy="4293552"/>
+            <a:ext cx="8466282" cy="4604006"/>
           </a:xfrm>
         </p:spPr>
       </p:pic>
@@ -7874,7 +8059,7 @@
           <p:cNvPr id="2" name="Title 1">
             <a:extLst>
               <a:ext uri="{FF2B5EF4-FFF2-40B4-BE49-F238E27FC236}">
-                <a16:creationId xmlns:a16="http://schemas.microsoft.com/office/drawing/2014/main" id="{0A56BBA1-DC99-7FDB-285D-ED82AA399B2A}"/>
+                <a16:creationId xmlns:a16="http://schemas.microsoft.com/office/drawing/2014/main" id="{541B204F-3C8E-8F0F-5F42-4B5D1D7EB01A}"/>
               </a:ext>
             </a:extLst>
           </p:cNvPr>
@@ -7885,21 +8070,29 @@
             <p:ph type="title"/>
           </p:nvPr>
         </p:nvSpPr>
-        <p:spPr/>
+        <p:spPr>
+          <a:xfrm>
+            <a:off x="677334" y="609600"/>
+            <a:ext cx="8596668" cy="816077"/>
+          </a:xfrm>
+        </p:spPr>
         <p:txBody>
           <a:bodyPr/>
           <a:lstStyle/>
           <a:p>
-            <a:endParaRPr lang="en-US"/>
+            <a:r>
+              <a:rPr lang="en-US" dirty="0"/>
+              <a:t>Choosing Filter parameters</a:t>
+            </a:r>
           </a:p>
         </p:txBody>
       </p:sp>
       <p:pic>
         <p:nvPicPr>
-          <p:cNvPr id="5" name="Content Placeholder 4" descr="Diagram&#10;&#10;Description automatically generated">
+          <p:cNvPr id="5" name="Content Placeholder 4" descr="Graphical user interface, text, application, email&#10;&#10;Description automatically generated">
             <a:extLst>
               <a:ext uri="{FF2B5EF4-FFF2-40B4-BE49-F238E27FC236}">
-                <a16:creationId xmlns:a16="http://schemas.microsoft.com/office/drawing/2014/main" id="{9AA78D17-566B-EFA5-0AB5-063FBD39EBEB}"/>
+                <a16:creationId xmlns:a16="http://schemas.microsoft.com/office/drawing/2014/main" id="{8E1C8BD8-1526-E8CA-5327-F6028B325872}"/>
               </a:ext>
             </a:extLst>
           </p:cNvPr>
@@ -7924,15 +8117,15 @@
         </p:blipFill>
         <p:spPr>
           <a:xfrm>
-            <a:off x="579120" y="2160588"/>
-            <a:ext cx="8694882" cy="4087812"/>
+            <a:off x="689350" y="1533832"/>
+            <a:ext cx="8596667" cy="5220929"/>
           </a:xfrm>
         </p:spPr>
       </p:pic>
     </p:spTree>
     <p:extLst>
       <p:ext uri="{BB962C8B-B14F-4D97-AF65-F5344CB8AC3E}">
-        <p14:creationId xmlns:p14="http://schemas.microsoft.com/office/powerpoint/2010/main" val="2365930469"/>
+        <p14:creationId xmlns:p14="http://schemas.microsoft.com/office/powerpoint/2010/main" val="1270670600"/>
       </p:ext>
     </p:extLst>
   </p:cSld>
@@ -7964,7 +8157,7 @@
           <p:cNvPr id="2" name="Title 1">
             <a:extLst>
               <a:ext uri="{FF2B5EF4-FFF2-40B4-BE49-F238E27FC236}">
-                <a16:creationId xmlns:a16="http://schemas.microsoft.com/office/drawing/2014/main" id="{607AD6FE-859C-F6AE-0C9A-0C75245473AD}"/>
+                <a16:creationId xmlns:a16="http://schemas.microsoft.com/office/drawing/2014/main" id="{0A56BBA1-DC99-7FDB-285D-ED82AA399B2A}"/>
               </a:ext>
             </a:extLst>
           </p:cNvPr>
@@ -7975,21 +8168,29 @@
             <p:ph type="title"/>
           </p:nvPr>
         </p:nvSpPr>
-        <p:spPr/>
+        <p:spPr>
+          <a:xfrm>
+            <a:off x="677334" y="609600"/>
+            <a:ext cx="8596668" cy="678426"/>
+          </a:xfrm>
+        </p:spPr>
         <p:txBody>
           <a:bodyPr/>
           <a:lstStyle/>
           <a:p>
-            <a:endParaRPr lang="en-US"/>
+            <a:r>
+              <a:rPr lang="en-US" dirty="0"/>
+              <a:t>FIR Filter Frequency Response</a:t>
+            </a:r>
           </a:p>
         </p:txBody>
       </p:sp>
       <p:pic>
         <p:nvPicPr>
-          <p:cNvPr id="5" name="Content Placeholder 4" descr="A picture containing diagram&#10;&#10;Description automatically generated">
+          <p:cNvPr id="5" name="Content Placeholder 4" descr="Diagram&#10;&#10;Description automatically generated">
             <a:extLst>
               <a:ext uri="{FF2B5EF4-FFF2-40B4-BE49-F238E27FC236}">
-                <a16:creationId xmlns:a16="http://schemas.microsoft.com/office/drawing/2014/main" id="{6F4E76A8-B0DF-9E68-47B5-95FDC22570D9}"/>
+                <a16:creationId xmlns:a16="http://schemas.microsoft.com/office/drawing/2014/main" id="{9AA78D17-566B-EFA5-0AB5-063FBD39EBEB}"/>
               </a:ext>
             </a:extLst>
           </p:cNvPr>
@@ -8014,15 +8215,15 @@
         </p:blipFill>
         <p:spPr>
           <a:xfrm>
-            <a:off x="677333" y="2160588"/>
-            <a:ext cx="8596669" cy="4141152"/>
+            <a:off x="579120" y="1288026"/>
+            <a:ext cx="9026996" cy="4960374"/>
           </a:xfrm>
         </p:spPr>
       </p:pic>
     </p:spTree>
     <p:extLst>
       <p:ext uri="{BB962C8B-B14F-4D97-AF65-F5344CB8AC3E}">
-        <p14:creationId xmlns:p14="http://schemas.microsoft.com/office/powerpoint/2010/main" val="3041022650"/>
+        <p14:creationId xmlns:p14="http://schemas.microsoft.com/office/powerpoint/2010/main" val="2365930469"/>
       </p:ext>
     </p:extLst>
   </p:cSld>
@@ -8054,7 +8255,7 @@
           <p:cNvPr id="2" name="Title 1">
             <a:extLst>
               <a:ext uri="{FF2B5EF4-FFF2-40B4-BE49-F238E27FC236}">
-                <a16:creationId xmlns:a16="http://schemas.microsoft.com/office/drawing/2014/main" id="{AA3854AD-4D97-052C-4405-B2CD1008B966}"/>
+                <a16:creationId xmlns:a16="http://schemas.microsoft.com/office/drawing/2014/main" id="{607AD6FE-859C-F6AE-0C9A-0C75245473AD}"/>
               </a:ext>
             </a:extLst>
           </p:cNvPr>
@@ -8065,21 +8266,29 @@
             <p:ph type="title"/>
           </p:nvPr>
         </p:nvSpPr>
-        <p:spPr/>
+        <p:spPr>
+          <a:xfrm>
+            <a:off x="677334" y="609600"/>
+            <a:ext cx="8596668" cy="698090"/>
+          </a:xfrm>
+        </p:spPr>
         <p:txBody>
           <a:bodyPr/>
           <a:lstStyle/>
           <a:p>
-            <a:endParaRPr lang="en-US"/>
+            <a:r>
+              <a:rPr lang="en-US" dirty="0"/>
+              <a:t>IIR Frequency Response</a:t>
+            </a:r>
           </a:p>
         </p:txBody>
       </p:sp>
       <p:pic>
         <p:nvPicPr>
-          <p:cNvPr id="5" name="Content Placeholder 4" descr="Diagram&#10;&#10;Description automatically generated">
+          <p:cNvPr id="5" name="Content Placeholder 4" descr="A picture containing diagram&#10;&#10;Description automatically generated">
             <a:extLst>
               <a:ext uri="{FF2B5EF4-FFF2-40B4-BE49-F238E27FC236}">
-                <a16:creationId xmlns:a16="http://schemas.microsoft.com/office/drawing/2014/main" id="{695CFAB1-EC9C-6106-59AB-2B39BF078607}"/>
+                <a16:creationId xmlns:a16="http://schemas.microsoft.com/office/drawing/2014/main" id="{6F4E76A8-B0DF-9E68-47B5-95FDC22570D9}"/>
               </a:ext>
             </a:extLst>
           </p:cNvPr>
@@ -8104,15 +8313,15 @@
         </p:blipFill>
         <p:spPr>
           <a:xfrm>
-            <a:off x="1752600" y="2213928"/>
-            <a:ext cx="6179820" cy="4369752"/>
+            <a:off x="677333" y="1307690"/>
+            <a:ext cx="9115596" cy="4994050"/>
           </a:xfrm>
         </p:spPr>
       </p:pic>
     </p:spTree>
     <p:extLst>
       <p:ext uri="{BB962C8B-B14F-4D97-AF65-F5344CB8AC3E}">
-        <p14:creationId xmlns:p14="http://schemas.microsoft.com/office/powerpoint/2010/main" val="1132140545"/>
+        <p14:creationId xmlns:p14="http://schemas.microsoft.com/office/powerpoint/2010/main" val="3041022650"/>
       </p:ext>
     </p:extLst>
   </p:cSld>
@@ -8144,7 +8353,7 @@
           <p:cNvPr id="2" name="Title 1">
             <a:extLst>
               <a:ext uri="{FF2B5EF4-FFF2-40B4-BE49-F238E27FC236}">
-                <a16:creationId xmlns:a16="http://schemas.microsoft.com/office/drawing/2014/main" id="{2F22286B-4D5B-4EB6-E73C-3A9FCD8CADA7}"/>
+                <a16:creationId xmlns:a16="http://schemas.microsoft.com/office/drawing/2014/main" id="{AA3854AD-4D97-052C-4405-B2CD1008B966}"/>
               </a:ext>
             </a:extLst>
           </p:cNvPr>
@@ -8155,21 +8364,29 @@
             <p:ph type="title"/>
           </p:nvPr>
         </p:nvSpPr>
-        <p:spPr/>
+        <p:spPr>
+          <a:xfrm>
+            <a:off x="677334" y="609601"/>
+            <a:ext cx="8596668" cy="678426"/>
+          </a:xfrm>
+        </p:spPr>
         <p:txBody>
           <a:bodyPr/>
           <a:lstStyle/>
           <a:p>
-            <a:endParaRPr lang="en-US" dirty="0"/>
+            <a:r>
+              <a:rPr lang="en-US" dirty="0"/>
+              <a:t>Pole-Zero Plot </a:t>
+            </a:r>
           </a:p>
         </p:txBody>
       </p:sp>
       <p:pic>
         <p:nvPicPr>
-          <p:cNvPr id="5" name="Content Placeholder 4" descr="Diagram&#10;&#10;Description automatically generated with low confidence">
+          <p:cNvPr id="5" name="Content Placeholder 4" descr="Diagram&#10;&#10;Description automatically generated">
             <a:extLst>
               <a:ext uri="{FF2B5EF4-FFF2-40B4-BE49-F238E27FC236}">
-                <a16:creationId xmlns:a16="http://schemas.microsoft.com/office/drawing/2014/main" id="{9113C2F8-73EF-14ED-E928-8CC3100F7232}"/>
+                <a16:creationId xmlns:a16="http://schemas.microsoft.com/office/drawing/2014/main" id="{695CFAB1-EC9C-6106-59AB-2B39BF078607}"/>
               </a:ext>
             </a:extLst>
           </p:cNvPr>
@@ -8194,15 +8411,15 @@
         </p:blipFill>
         <p:spPr>
           <a:xfrm>
-            <a:off x="677334" y="2160588"/>
-            <a:ext cx="8596667" cy="4164012"/>
+            <a:off x="1752600" y="1445343"/>
+            <a:ext cx="6565490" cy="5138338"/>
           </a:xfrm>
         </p:spPr>
       </p:pic>
     </p:spTree>
     <p:extLst>
       <p:ext uri="{BB962C8B-B14F-4D97-AF65-F5344CB8AC3E}">
-        <p14:creationId xmlns:p14="http://schemas.microsoft.com/office/powerpoint/2010/main" val="2472972383"/>
+        <p14:creationId xmlns:p14="http://schemas.microsoft.com/office/powerpoint/2010/main" val="1132140545"/>
       </p:ext>
     </p:extLst>
   </p:cSld>
@@ -8234,7 +8451,7 @@
           <p:cNvPr id="2" name="Title 1">
             <a:extLst>
               <a:ext uri="{FF2B5EF4-FFF2-40B4-BE49-F238E27FC236}">
-                <a16:creationId xmlns:a16="http://schemas.microsoft.com/office/drawing/2014/main" id="{541B204F-3C8E-8F0F-5F42-4B5D1D7EB01A}"/>
+                <a16:creationId xmlns:a16="http://schemas.microsoft.com/office/drawing/2014/main" id="{2F22286B-4D5B-4EB6-E73C-3A9FCD8CADA7}"/>
               </a:ext>
             </a:extLst>
           </p:cNvPr>
@@ -8245,21 +8462,31 @@
             <p:ph type="title"/>
           </p:nvPr>
         </p:nvSpPr>
-        <p:spPr/>
-        <p:txBody>
-          <a:bodyPr/>
-          <a:lstStyle/>
-          <a:p>
-            <a:endParaRPr lang="en-US"/>
+        <p:spPr>
+          <a:xfrm>
+            <a:off x="677334" y="609600"/>
+            <a:ext cx="8596668" cy="786581"/>
+          </a:xfrm>
+        </p:spPr>
+        <p:txBody>
+          <a:bodyPr>
+            <a:normAutofit/>
+          </a:bodyPr>
+          <a:lstStyle/>
+          <a:p>
+            <a:r>
+              <a:rPr lang="en-US" dirty="0"/>
+              <a:t>Filter Input Output</a:t>
+            </a:r>
           </a:p>
         </p:txBody>
       </p:sp>
       <p:pic>
         <p:nvPicPr>
-          <p:cNvPr id="5" name="Content Placeholder 4" descr="Graphical user interface, text, application, email&#10;&#10;Description automatically generated">
+          <p:cNvPr id="5" name="Content Placeholder 4" descr="Diagram&#10;&#10;Description automatically generated with low confidence">
             <a:extLst>
               <a:ext uri="{FF2B5EF4-FFF2-40B4-BE49-F238E27FC236}">
-                <a16:creationId xmlns:a16="http://schemas.microsoft.com/office/drawing/2014/main" id="{8E1C8BD8-1526-E8CA-5327-F6028B325872}"/>
+                <a16:creationId xmlns:a16="http://schemas.microsoft.com/office/drawing/2014/main" id="{9113C2F8-73EF-14ED-E928-8CC3100F7232}"/>
               </a:ext>
             </a:extLst>
           </p:cNvPr>
@@ -8284,15 +8511,15 @@
         </p:blipFill>
         <p:spPr>
           <a:xfrm>
-            <a:off x="1935375" y="2196141"/>
-            <a:ext cx="6081287" cy="3810330"/>
+            <a:off x="677333" y="1248697"/>
+            <a:ext cx="9715363" cy="5075903"/>
           </a:xfrm>
         </p:spPr>
       </p:pic>
     </p:spTree>
     <p:extLst>
       <p:ext uri="{BB962C8B-B14F-4D97-AF65-F5344CB8AC3E}">
-        <p14:creationId xmlns:p14="http://schemas.microsoft.com/office/powerpoint/2010/main" val="1270670600"/>
+        <p14:creationId xmlns:p14="http://schemas.microsoft.com/office/powerpoint/2010/main" val="2472972383"/>
       </p:ext>
     </p:extLst>
   </p:cSld>
@@ -8462,7 +8689,7 @@
         </p:blipFill>
         <p:spPr>
           <a:xfrm>
-            <a:off x="6190089" y="2604539"/>
+            <a:off x="6249082" y="2302097"/>
             <a:ext cx="5677445" cy="4056218"/>
           </a:xfrm>
         </p:spPr>
@@ -8534,6 +8761,41 @@
           </a:p>
           <a:p>
             <a:endParaRPr lang="en-US" dirty="0"/>
+          </a:p>
+        </p:txBody>
+      </p:sp>
+      <p:sp>
+        <p:nvSpPr>
+          <p:cNvPr id="3" name="TextBox 2">
+            <a:extLst>
+              <a:ext uri="{FF2B5EF4-FFF2-40B4-BE49-F238E27FC236}">
+                <a16:creationId xmlns:a16="http://schemas.microsoft.com/office/drawing/2014/main" id="{874B88C1-31A6-E81A-3C1C-A969CB73F1A4}"/>
+              </a:ext>
+            </a:extLst>
+          </p:cNvPr>
+          <p:cNvSpPr txBox="1"/>
+          <p:nvPr/>
+        </p:nvSpPr>
+        <p:spPr>
+          <a:xfrm>
+            <a:off x="6017342" y="6430297"/>
+            <a:ext cx="5014452" cy="307777"/>
+          </a:xfrm>
+          <a:prstGeom prst="rect">
+            <a:avLst/>
+          </a:prstGeom>
+          <a:noFill/>
+        </p:spPr>
+        <p:txBody>
+          <a:bodyPr wrap="square" rtlCol="0">
+            <a:spAutoFit/>
+          </a:bodyPr>
+          <a:lstStyle/>
+          <a:p>
+            <a:r>
+              <a:rPr lang="en-US" sz="1400" dirty="0"/>
+              <a:t>Image source: https://www.raspberrypi.com/</a:t>
+            </a:r>
           </a:p>
         </p:txBody>
       </p:sp>
